--- a/Crime Trends vs. Covid Trends.pptx
+++ b/Crime Trends vs. Covid Trends.pptx
@@ -884,6 +884,22 @@
             </a:r>
             <a:endParaRPr/>
           </a:p>
+          <a:p>
+            <a:pPr indent="0" lvl="0" marL="0" rtl="0" algn="l">
+              <a:spcBef>
+                <a:spcPts val="0"/>
+              </a:spcBef>
+              <a:spcAft>
+                <a:spcPts val="0"/>
+              </a:spcAft>
+              <a:buNone/>
+            </a:pPr>
+            <a:r>
+              <a:rPr lang="en"/>
+              <a:t>Any Questions?</a:t>
+            </a:r>
+            <a:endParaRPr/>
+          </a:p>
         </p:txBody>
       </p:sp>
     </p:spTree>
@@ -984,6 +1000,152 @@
             </a:r>
             <a:endParaRPr/>
           </a:p>
+          <a:p>
+            <a:pPr indent="-311150" lvl="0" marL="457200" rtl="0" algn="l">
+              <a:lnSpc>
+                <a:spcPct val="115000"/>
+              </a:lnSpc>
+              <a:spcBef>
+                <a:spcPts val="0"/>
+              </a:spcBef>
+              <a:spcAft>
+                <a:spcPts val="0"/>
+              </a:spcAft>
+              <a:buClr>
+                <a:srgbClr val="424242"/>
+              </a:buClr>
+              <a:buSzPts val="1300"/>
+              <a:buFont typeface="Nunito"/>
+              <a:buAutoNum type="arabicPeriod"/>
+            </a:pPr>
+            <a:r>
+              <a:rPr lang="en" sz="1300">
+                <a:solidFill>
+                  <a:srgbClr val="424242"/>
+                </a:solidFill>
+                <a:latin typeface="Nunito"/>
+                <a:ea typeface="Nunito"/>
+                <a:cs typeface="Nunito"/>
+                <a:sym typeface="Nunito"/>
+              </a:rPr>
+              <a:t>Did the crime statistics follow the COVID cases geographically?</a:t>
+            </a:r>
+            <a:endParaRPr sz="1300">
+              <a:solidFill>
+                <a:srgbClr val="424242"/>
+              </a:solidFill>
+              <a:latin typeface="Nunito"/>
+              <a:ea typeface="Nunito"/>
+              <a:cs typeface="Nunito"/>
+              <a:sym typeface="Nunito"/>
+            </a:endParaRPr>
+          </a:p>
+          <a:p>
+            <a:pPr indent="-311150" lvl="0" marL="457200" rtl="0" algn="l">
+              <a:lnSpc>
+                <a:spcPct val="115000"/>
+              </a:lnSpc>
+              <a:spcBef>
+                <a:spcPts val="0"/>
+              </a:spcBef>
+              <a:spcAft>
+                <a:spcPts val="0"/>
+              </a:spcAft>
+              <a:buClr>
+                <a:srgbClr val="424242"/>
+              </a:buClr>
+              <a:buSzPts val="1300"/>
+              <a:buFont typeface="Nunito"/>
+              <a:buAutoNum type="arabicPeriod"/>
+            </a:pPr>
+            <a:r>
+              <a:rPr lang="en" sz="1300">
+                <a:solidFill>
+                  <a:srgbClr val="424242"/>
+                </a:solidFill>
+                <a:latin typeface="Nunito"/>
+                <a:ea typeface="Nunito"/>
+                <a:cs typeface="Nunito"/>
+                <a:sym typeface="Nunito"/>
+              </a:rPr>
+              <a:t>Is the correlation stronger in certain NYC boroughs?</a:t>
+            </a:r>
+            <a:endParaRPr sz="1300">
+              <a:solidFill>
+                <a:srgbClr val="424242"/>
+              </a:solidFill>
+              <a:latin typeface="Nunito"/>
+              <a:ea typeface="Nunito"/>
+              <a:cs typeface="Nunito"/>
+              <a:sym typeface="Nunito"/>
+            </a:endParaRPr>
+          </a:p>
+          <a:p>
+            <a:pPr indent="0" lvl="0" marL="0" rtl="0" algn="l">
+              <a:lnSpc>
+                <a:spcPct val="115000"/>
+              </a:lnSpc>
+              <a:spcBef>
+                <a:spcPts val="1200"/>
+              </a:spcBef>
+              <a:spcAft>
+                <a:spcPts val="0"/>
+              </a:spcAft>
+              <a:buNone/>
+            </a:pPr>
+            <a:r>
+              <a:t/>
+            </a:r>
+            <a:endParaRPr sz="1300">
+              <a:solidFill>
+                <a:srgbClr val="424242"/>
+              </a:solidFill>
+              <a:latin typeface="Nunito"/>
+              <a:ea typeface="Nunito"/>
+              <a:cs typeface="Nunito"/>
+              <a:sym typeface="Nunito"/>
+            </a:endParaRPr>
+          </a:p>
+          <a:p>
+            <a:pPr indent="-311150" lvl="1" marL="914400" rtl="0" algn="l">
+              <a:lnSpc>
+                <a:spcPct val="115000"/>
+              </a:lnSpc>
+              <a:spcBef>
+                <a:spcPts val="1200"/>
+              </a:spcBef>
+              <a:spcAft>
+                <a:spcPts val="0"/>
+              </a:spcAft>
+              <a:buClr>
+                <a:srgbClr val="424242"/>
+              </a:buClr>
+              <a:buSzPts val="1300"/>
+              <a:buFont typeface="Nunito"/>
+              <a:buChar char="○"/>
+            </a:pPr>
+            <a:r>
+              <a:rPr lang="en" sz="1300">
+                <a:solidFill>
+                  <a:srgbClr val="424242"/>
+                </a:solidFill>
+                <a:latin typeface="Nunito"/>
+                <a:ea typeface="Nunito"/>
+                <a:cs typeface="Nunito"/>
+                <a:sym typeface="Nunito"/>
+              </a:rPr>
+              <a:t>Did the pandemic affect certain crime statistics more than others?</a:t>
+            </a:r>
+            <a:endParaRPr sz="1300">
+              <a:solidFill>
+                <a:srgbClr val="424242"/>
+              </a:solidFill>
+              <a:latin typeface="Nunito"/>
+              <a:ea typeface="Nunito"/>
+              <a:cs typeface="Nunito"/>
+              <a:sym typeface="Nunito"/>
+            </a:endParaRPr>
+          </a:p>
         </p:txBody>
       </p:sp>
     </p:spTree>
@@ -1013,7 +1175,7 @@
       </p:grpSpPr>
       <p:sp>
         <p:nvSpPr>
-          <p:cNvPr id="288" name="Google Shape;288;ge567213c42_0_273:notes"/>
+          <p:cNvPr id="288" name="Google Shape;288;ge7744a6f0e_0_297:notes"/>
           <p:cNvSpPr/>
           <p:nvPr>
             <p:ph idx="2" type="sldImg"/>
@@ -1048,7 +1210,7 @@
       </p:sp>
       <p:sp>
         <p:nvSpPr>
-          <p:cNvPr id="289" name="Google Shape;289;ge567213c42_0_273:notes"/>
+          <p:cNvPr id="289" name="Google Shape;289;ge7744a6f0e_0_297:notes"/>
           <p:cNvSpPr txBox="1"/>
           <p:nvPr>
             <p:ph idx="1" type="body"/>
@@ -1084,6 +1246,825 @@
             </a:r>
             <a:endParaRPr/>
           </a:p>
+          <a:p>
+            <a:pPr indent="0" lvl="0" marL="0" rtl="0" algn="l">
+              <a:spcBef>
+                <a:spcPts val="0"/>
+              </a:spcBef>
+              <a:spcAft>
+                <a:spcPts val="0"/>
+              </a:spcAft>
+              <a:buNone/>
+            </a:pPr>
+            <a:r>
+              <a:t/>
+            </a:r>
+            <a:endParaRPr/>
+          </a:p>
+          <a:p>
+            <a:pPr indent="-298450" lvl="0" marL="457200" rtl="0" algn="l">
+              <a:spcBef>
+                <a:spcPts val="0"/>
+              </a:spcBef>
+              <a:spcAft>
+                <a:spcPts val="0"/>
+              </a:spcAft>
+              <a:buSzPts val="1100"/>
+              <a:buAutoNum type="arabicPeriod"/>
+            </a:pPr>
+            <a:r>
+              <a:rPr lang="en"/>
+              <a:t>Data Cleaning:</a:t>
+            </a:r>
+            <a:endParaRPr/>
+          </a:p>
+          <a:p>
+            <a:pPr indent="-298450" lvl="1" marL="914400" rtl="0" algn="l">
+              <a:spcBef>
+                <a:spcPts val="0"/>
+              </a:spcBef>
+              <a:spcAft>
+                <a:spcPts val="0"/>
+              </a:spcAft>
+              <a:buSzPts val="1100"/>
+              <a:buChar char="○"/>
+            </a:pPr>
+            <a:r>
+              <a:rPr lang="en"/>
+              <a:t>Merging NYC crime and NYC covid cases data.</a:t>
+            </a:r>
+            <a:endParaRPr/>
+          </a:p>
+          <a:p>
+            <a:pPr indent="-298450" lvl="1" marL="914400" rtl="0" algn="l">
+              <a:spcBef>
+                <a:spcPts val="0"/>
+              </a:spcBef>
+              <a:spcAft>
+                <a:spcPts val="0"/>
+              </a:spcAft>
+              <a:buSzPts val="1100"/>
+              <a:buChar char="○"/>
+            </a:pPr>
+            <a:r>
+              <a:rPr lang="en"/>
+              <a:t>Dropping unnecessary data and columns.</a:t>
+            </a:r>
+            <a:endParaRPr/>
+          </a:p>
+          <a:p>
+            <a:pPr indent="-298450" lvl="1" marL="914400" rtl="0" algn="l">
+              <a:spcBef>
+                <a:spcPts val="0"/>
+              </a:spcBef>
+              <a:spcAft>
+                <a:spcPts val="0"/>
+              </a:spcAft>
+              <a:buSzPts val="1100"/>
+              <a:buChar char="○"/>
+            </a:pPr>
+            <a:r>
+              <a:rPr lang="en"/>
+              <a:t>LOC function to align dates across data sources and DFs</a:t>
+            </a:r>
+            <a:endParaRPr/>
+          </a:p>
+          <a:p>
+            <a:pPr indent="-298450" lvl="1" marL="914400" rtl="0" algn="l">
+              <a:spcBef>
+                <a:spcPts val="0"/>
+              </a:spcBef>
+              <a:spcAft>
+                <a:spcPts val="0"/>
+              </a:spcAft>
+              <a:buSzPts val="1100"/>
+              <a:buChar char="○"/>
+            </a:pPr>
+            <a:r>
+              <a:rPr lang="en"/>
+              <a:t>Standardized date format in merged DF </a:t>
+            </a:r>
+            <a:endParaRPr/>
+          </a:p>
+          <a:p>
+            <a:pPr indent="-298450" lvl="1" marL="914400" rtl="0" algn="l">
+              <a:spcBef>
+                <a:spcPts val="0"/>
+              </a:spcBef>
+              <a:spcAft>
+                <a:spcPts val="0"/>
+              </a:spcAft>
+              <a:buSzPts val="1100"/>
+              <a:buChar char="○"/>
+            </a:pPr>
+            <a:r>
+              <a:rPr lang="en"/>
+              <a:t>Replaced missing data with ‘N/A’</a:t>
+            </a:r>
+            <a:endParaRPr/>
+          </a:p>
+          <a:p>
+            <a:pPr indent="-298450" lvl="1" marL="914400" rtl="0" algn="l">
+              <a:spcBef>
+                <a:spcPts val="0"/>
+              </a:spcBef>
+              <a:spcAft>
+                <a:spcPts val="0"/>
+              </a:spcAft>
+              <a:buSzPts val="1100"/>
+              <a:buChar char="○"/>
+            </a:pPr>
+            <a:r>
+              <a:rPr lang="en"/>
+              <a:t>Create a CSV output of cleaned data.</a:t>
+            </a:r>
+            <a:endParaRPr/>
+          </a:p>
+          <a:p>
+            <a:pPr indent="-298450" lvl="1" marL="914400" rtl="0" algn="l">
+              <a:spcBef>
+                <a:spcPts val="0"/>
+              </a:spcBef>
+              <a:spcAft>
+                <a:spcPts val="0"/>
+              </a:spcAft>
+              <a:buSzPts val="1100"/>
+              <a:buChar char="○"/>
+            </a:pPr>
+            <a:r>
+              <a:rPr lang="en"/>
+              <a:t>Importing CSV file and started analyzing the data.</a:t>
+            </a:r>
+            <a:endParaRPr/>
+          </a:p>
+          <a:p>
+            <a:pPr indent="0" lvl="0" marL="0" rtl="0" algn="l">
+              <a:spcBef>
+                <a:spcPts val="0"/>
+              </a:spcBef>
+              <a:spcAft>
+                <a:spcPts val="0"/>
+              </a:spcAft>
+              <a:buClr>
+                <a:schemeClr val="dk1"/>
+              </a:buClr>
+              <a:buSzPts val="1100"/>
+              <a:buFont typeface="Arial"/>
+              <a:buNone/>
+            </a:pPr>
+            <a:r>
+              <a:t/>
+            </a:r>
+            <a:endParaRPr/>
+          </a:p>
+          <a:p>
+            <a:pPr indent="0" lvl="0" marL="0" rtl="0" algn="l">
+              <a:spcBef>
+                <a:spcPts val="0"/>
+              </a:spcBef>
+              <a:spcAft>
+                <a:spcPts val="0"/>
+              </a:spcAft>
+              <a:buNone/>
+            </a:pPr>
+            <a:r>
+              <a:t/>
+            </a:r>
+            <a:endParaRPr/>
+          </a:p>
+          <a:p>
+            <a:pPr indent="0" lvl="0" marL="0" rtl="0" algn="l">
+              <a:spcBef>
+                <a:spcPts val="0"/>
+              </a:spcBef>
+              <a:spcAft>
+                <a:spcPts val="0"/>
+              </a:spcAft>
+              <a:buNone/>
+            </a:pPr>
+            <a:r>
+              <a:t/>
+            </a:r>
+            <a:endParaRPr/>
+          </a:p>
+          <a:p>
+            <a:pPr indent="0" lvl="0" marL="0" rtl="0" algn="l">
+              <a:lnSpc>
+                <a:spcPct val="115000"/>
+              </a:lnSpc>
+              <a:spcBef>
+                <a:spcPts val="0"/>
+              </a:spcBef>
+              <a:spcAft>
+                <a:spcPts val="0"/>
+              </a:spcAft>
+              <a:buNone/>
+            </a:pPr>
+            <a:r>
+              <a:rPr b="1" lang="en" sz="1400">
+                <a:solidFill>
+                  <a:srgbClr val="424242"/>
+                </a:solidFill>
+              </a:rPr>
+              <a:t>NYC Crime Data</a:t>
+            </a:r>
+            <a:r>
+              <a:rPr lang="en" sz="1400">
+                <a:solidFill>
+                  <a:srgbClr val="424242"/>
+                </a:solidFill>
+              </a:rPr>
+              <a:t> </a:t>
+            </a:r>
+            <a:r>
+              <a:rPr lang="en" sz="1400">
+                <a:solidFill>
+                  <a:srgbClr val="424242"/>
+                </a:solidFill>
+              </a:rPr>
+              <a:t>|</a:t>
+            </a:r>
+            <a:r>
+              <a:rPr b="1" lang="en" sz="1400">
+                <a:solidFill>
+                  <a:srgbClr val="424242"/>
+                </a:solidFill>
+              </a:rPr>
+              <a:t> </a:t>
+            </a:r>
+            <a:r>
+              <a:rPr lang="en" sz="1500">
+                <a:solidFill>
+                  <a:srgbClr val="424242"/>
+                </a:solidFill>
+              </a:rPr>
+              <a:t>Contains historic crime complaint data for the city</a:t>
+            </a:r>
+            <a:endParaRPr sz="1500">
+              <a:solidFill>
+                <a:srgbClr val="424242"/>
+              </a:solidFill>
+            </a:endParaRPr>
+          </a:p>
+          <a:p>
+            <a:pPr indent="0" lvl="0" marL="0" rtl="0" algn="l">
+              <a:lnSpc>
+                <a:spcPct val="115000"/>
+              </a:lnSpc>
+              <a:spcBef>
+                <a:spcPts val="0"/>
+              </a:spcBef>
+              <a:spcAft>
+                <a:spcPts val="0"/>
+              </a:spcAft>
+              <a:buNone/>
+            </a:pPr>
+            <a:r>
+              <a:rPr i="1" lang="en" sz="1500">
+                <a:solidFill>
+                  <a:srgbClr val="424242"/>
+                </a:solidFill>
+              </a:rPr>
+              <a:t>Data from Feb - Sept 2020</a:t>
+            </a:r>
+            <a:endParaRPr i="1" sz="1500">
+              <a:solidFill>
+                <a:srgbClr val="424242"/>
+              </a:solidFill>
+            </a:endParaRPr>
+          </a:p>
+          <a:p>
+            <a:pPr indent="0" lvl="0" marL="0" rtl="0" algn="l">
+              <a:lnSpc>
+                <a:spcPct val="115000"/>
+              </a:lnSpc>
+              <a:spcBef>
+                <a:spcPts val="0"/>
+              </a:spcBef>
+              <a:spcAft>
+                <a:spcPts val="0"/>
+              </a:spcAft>
+              <a:buNone/>
+            </a:pPr>
+            <a:r>
+              <a:t/>
+            </a:r>
+            <a:endParaRPr sz="1400">
+              <a:solidFill>
+                <a:srgbClr val="424242"/>
+              </a:solidFill>
+            </a:endParaRPr>
+          </a:p>
+          <a:p>
+            <a:pPr indent="0" lvl="0" marL="0" rtl="0" algn="l">
+              <a:lnSpc>
+                <a:spcPct val="115000"/>
+              </a:lnSpc>
+              <a:spcBef>
+                <a:spcPts val="0"/>
+              </a:spcBef>
+              <a:spcAft>
+                <a:spcPts val="0"/>
+              </a:spcAft>
+              <a:buNone/>
+            </a:pPr>
+            <a:r>
+              <a:rPr b="1" lang="en" sz="1500">
+                <a:solidFill>
+                  <a:srgbClr val="424242"/>
+                </a:solidFill>
+              </a:rPr>
+              <a:t>NYC COVID Data</a:t>
+            </a:r>
+            <a:r>
+              <a:rPr lang="en" sz="1500">
+                <a:solidFill>
+                  <a:srgbClr val="424242"/>
+                </a:solidFill>
+              </a:rPr>
+              <a:t> | Contains case numbers per borough</a:t>
+            </a:r>
+            <a:endParaRPr sz="1500">
+              <a:solidFill>
+                <a:srgbClr val="424242"/>
+              </a:solidFill>
+            </a:endParaRPr>
+          </a:p>
+          <a:p>
+            <a:pPr indent="0" lvl="0" marL="0" rtl="0" algn="l">
+              <a:lnSpc>
+                <a:spcPct val="115000"/>
+              </a:lnSpc>
+              <a:spcBef>
+                <a:spcPts val="0"/>
+              </a:spcBef>
+              <a:spcAft>
+                <a:spcPts val="0"/>
+              </a:spcAft>
+              <a:buNone/>
+            </a:pPr>
+            <a:r>
+              <a:rPr i="1" lang="en" sz="1500">
+                <a:solidFill>
+                  <a:srgbClr val="424242"/>
+                </a:solidFill>
+              </a:rPr>
+              <a:t>Data for Feb - Sept 2020</a:t>
+            </a:r>
+            <a:endParaRPr i="1" sz="1500">
+              <a:solidFill>
+                <a:srgbClr val="424242"/>
+              </a:solidFill>
+            </a:endParaRPr>
+          </a:p>
+          <a:p>
+            <a:pPr indent="0" lvl="0" marL="0" rtl="0" algn="l">
+              <a:lnSpc>
+                <a:spcPct val="115000"/>
+              </a:lnSpc>
+              <a:spcBef>
+                <a:spcPts val="0"/>
+              </a:spcBef>
+              <a:spcAft>
+                <a:spcPts val="0"/>
+              </a:spcAft>
+              <a:buNone/>
+            </a:pPr>
+            <a:r>
+              <a:t/>
+            </a:r>
+            <a:endParaRPr sz="1500">
+              <a:solidFill>
+                <a:srgbClr val="424242"/>
+              </a:solidFill>
+            </a:endParaRPr>
+          </a:p>
+          <a:p>
+            <a:pPr indent="0" lvl="0" marL="0" rtl="0" algn="l">
+              <a:lnSpc>
+                <a:spcPct val="115000"/>
+              </a:lnSpc>
+              <a:spcBef>
+                <a:spcPts val="0"/>
+              </a:spcBef>
+              <a:spcAft>
+                <a:spcPts val="0"/>
+              </a:spcAft>
+              <a:buNone/>
+            </a:pPr>
+            <a:r>
+              <a:rPr b="1" lang="en" sz="1500">
+                <a:solidFill>
+                  <a:srgbClr val="424242"/>
+                </a:solidFill>
+              </a:rPr>
+              <a:t>Google Geocode API </a:t>
+            </a:r>
+            <a:r>
+              <a:rPr lang="en" sz="1500">
+                <a:solidFill>
+                  <a:srgbClr val="424242"/>
+                </a:solidFill>
+              </a:rPr>
+              <a:t>| Returns coordinates for each borough</a:t>
+            </a:r>
+            <a:endParaRPr sz="1500">
+              <a:solidFill>
+                <a:srgbClr val="424242"/>
+              </a:solidFill>
+            </a:endParaRPr>
+          </a:p>
+          <a:p>
+            <a:pPr indent="0" lvl="0" marL="0" rtl="0" algn="l">
+              <a:lnSpc>
+                <a:spcPct val="115000"/>
+              </a:lnSpc>
+              <a:spcBef>
+                <a:spcPts val="0"/>
+              </a:spcBef>
+              <a:spcAft>
+                <a:spcPts val="0"/>
+              </a:spcAft>
+              <a:buNone/>
+            </a:pPr>
+            <a:r>
+              <a:t/>
+            </a:r>
+            <a:endParaRPr sz="1500">
+              <a:solidFill>
+                <a:srgbClr val="424242"/>
+              </a:solidFill>
+            </a:endParaRPr>
+          </a:p>
+          <a:p>
+            <a:pPr indent="0" lvl="0" marL="0" rtl="0" algn="l">
+              <a:lnSpc>
+                <a:spcPct val="115000"/>
+              </a:lnSpc>
+              <a:spcBef>
+                <a:spcPts val="0"/>
+              </a:spcBef>
+              <a:spcAft>
+                <a:spcPts val="0"/>
+              </a:spcAft>
+              <a:buClr>
+                <a:schemeClr val="dk1"/>
+              </a:buClr>
+              <a:buSzPts val="1100"/>
+              <a:buFont typeface="Arial"/>
+              <a:buNone/>
+            </a:pPr>
+            <a:r>
+              <a:rPr b="1" lang="en" sz="1400">
+                <a:solidFill>
+                  <a:srgbClr val="424242"/>
+                </a:solidFill>
+              </a:rPr>
+              <a:t>Data Cleaning and Preparation</a:t>
+            </a:r>
+            <a:endParaRPr b="1" sz="1400">
+              <a:solidFill>
+                <a:srgbClr val="424242"/>
+              </a:solidFill>
+            </a:endParaRPr>
+          </a:p>
+          <a:p>
+            <a:pPr indent="0" lvl="0" marL="0" rtl="0" algn="l">
+              <a:lnSpc>
+                <a:spcPct val="115000"/>
+              </a:lnSpc>
+              <a:spcBef>
+                <a:spcPts val="0"/>
+              </a:spcBef>
+              <a:spcAft>
+                <a:spcPts val="0"/>
+              </a:spcAft>
+              <a:buClr>
+                <a:schemeClr val="dk1"/>
+              </a:buClr>
+              <a:buSzPts val="1100"/>
+              <a:buFont typeface="Arial"/>
+              <a:buNone/>
+            </a:pPr>
+            <a:r>
+              <a:t/>
+            </a:r>
+            <a:endParaRPr b="1" sz="1400">
+              <a:solidFill>
+                <a:srgbClr val="424242"/>
+              </a:solidFill>
+            </a:endParaRPr>
+          </a:p>
+          <a:p>
+            <a:pPr indent="-311150" lvl="0" marL="457200" rtl="0" algn="l">
+              <a:lnSpc>
+                <a:spcPct val="115000"/>
+              </a:lnSpc>
+              <a:spcBef>
+                <a:spcPts val="0"/>
+              </a:spcBef>
+              <a:spcAft>
+                <a:spcPts val="0"/>
+              </a:spcAft>
+              <a:buClr>
+                <a:srgbClr val="424242"/>
+              </a:buClr>
+              <a:buSzPts val="1300"/>
+              <a:buFont typeface="Arial"/>
+              <a:buAutoNum type="arabicPeriod"/>
+            </a:pPr>
+            <a:r>
+              <a:rPr lang="en" sz="1300">
+                <a:solidFill>
+                  <a:srgbClr val="424242"/>
+                </a:solidFill>
+              </a:rPr>
+              <a:t>Merge 5 separate CSV files into single file for processing; merge with COVID data file</a:t>
+            </a:r>
+            <a:endParaRPr sz="1300">
+              <a:solidFill>
+                <a:srgbClr val="424242"/>
+              </a:solidFill>
+            </a:endParaRPr>
+          </a:p>
+          <a:p>
+            <a:pPr indent="-311150" lvl="0" marL="457200" rtl="0" algn="l">
+              <a:lnSpc>
+                <a:spcPct val="115000"/>
+              </a:lnSpc>
+              <a:spcBef>
+                <a:spcPts val="0"/>
+              </a:spcBef>
+              <a:spcAft>
+                <a:spcPts val="0"/>
+              </a:spcAft>
+              <a:buClr>
+                <a:srgbClr val="424242"/>
+              </a:buClr>
+              <a:buSzPts val="1300"/>
+              <a:buFont typeface="Arial"/>
+              <a:buAutoNum type="arabicPeriod"/>
+            </a:pPr>
+            <a:r>
+              <a:rPr lang="en" sz="1300">
+                <a:solidFill>
+                  <a:srgbClr val="424242"/>
+                </a:solidFill>
+              </a:rPr>
+              <a:t>Created new DF and dropped unnecessary columns; renamed and reorganized columns</a:t>
+            </a:r>
+            <a:endParaRPr sz="1300">
+              <a:solidFill>
+                <a:srgbClr val="424242"/>
+              </a:solidFill>
+            </a:endParaRPr>
+          </a:p>
+          <a:p>
+            <a:pPr indent="-298450" lvl="1" marL="914400" rtl="0" algn="l">
+              <a:lnSpc>
+                <a:spcPct val="115000"/>
+              </a:lnSpc>
+              <a:spcBef>
+                <a:spcPts val="0"/>
+              </a:spcBef>
+              <a:spcAft>
+                <a:spcPts val="0"/>
+              </a:spcAft>
+              <a:buClr>
+                <a:srgbClr val="424242"/>
+              </a:buClr>
+              <a:buSzPts val="1100"/>
+              <a:buFont typeface="Arial"/>
+              <a:buAutoNum type="alphaLcPeriod"/>
+            </a:pPr>
+            <a:r>
+              <a:rPr lang="en">
+                <a:solidFill>
+                  <a:srgbClr val="424242"/>
+                </a:solidFill>
+              </a:rPr>
+              <a:t>LOC function to align dates across data sources and DFs</a:t>
+            </a:r>
+            <a:endParaRPr>
+              <a:solidFill>
+                <a:srgbClr val="424242"/>
+              </a:solidFill>
+            </a:endParaRPr>
+          </a:p>
+          <a:p>
+            <a:pPr indent="-298450" lvl="1" marL="914400" rtl="0" algn="l">
+              <a:lnSpc>
+                <a:spcPct val="115000"/>
+              </a:lnSpc>
+              <a:spcBef>
+                <a:spcPts val="0"/>
+              </a:spcBef>
+              <a:spcAft>
+                <a:spcPts val="0"/>
+              </a:spcAft>
+              <a:buClr>
+                <a:srgbClr val="424242"/>
+              </a:buClr>
+              <a:buSzPts val="1100"/>
+              <a:buFont typeface="Arial"/>
+              <a:buAutoNum type="alphaLcPeriod"/>
+            </a:pPr>
+            <a:r>
+              <a:rPr lang="en">
+                <a:solidFill>
+                  <a:srgbClr val="424242"/>
+                </a:solidFill>
+              </a:rPr>
+              <a:t>Standardized date format in merged DF </a:t>
+            </a:r>
+            <a:endParaRPr>
+              <a:solidFill>
+                <a:srgbClr val="424242"/>
+              </a:solidFill>
+            </a:endParaRPr>
+          </a:p>
+          <a:p>
+            <a:pPr indent="-298450" lvl="1" marL="914400" rtl="0" algn="l">
+              <a:lnSpc>
+                <a:spcPct val="115000"/>
+              </a:lnSpc>
+              <a:spcBef>
+                <a:spcPts val="0"/>
+              </a:spcBef>
+              <a:spcAft>
+                <a:spcPts val="0"/>
+              </a:spcAft>
+              <a:buClr>
+                <a:srgbClr val="424242"/>
+              </a:buClr>
+              <a:buSzPts val="1100"/>
+              <a:buFont typeface="Arial"/>
+              <a:buAutoNum type="alphaLcPeriod"/>
+            </a:pPr>
+            <a:r>
+              <a:rPr lang="en">
+                <a:solidFill>
+                  <a:srgbClr val="424242"/>
+                </a:solidFill>
+              </a:rPr>
+              <a:t>Replaced missing data with ‘N/A’</a:t>
+            </a:r>
+            <a:endParaRPr>
+              <a:solidFill>
+                <a:srgbClr val="424242"/>
+              </a:solidFill>
+            </a:endParaRPr>
+          </a:p>
+          <a:p>
+            <a:pPr indent="-311150" lvl="0" marL="457200" rtl="0" algn="l">
+              <a:lnSpc>
+                <a:spcPct val="115000"/>
+              </a:lnSpc>
+              <a:spcBef>
+                <a:spcPts val="0"/>
+              </a:spcBef>
+              <a:spcAft>
+                <a:spcPts val="0"/>
+              </a:spcAft>
+              <a:buClr>
+                <a:srgbClr val="424242"/>
+              </a:buClr>
+              <a:buSzPts val="1300"/>
+              <a:buFont typeface="Arial"/>
+              <a:buAutoNum type="arabicPeriod"/>
+            </a:pPr>
+            <a:r>
+              <a:rPr lang="en" sz="1300">
+                <a:solidFill>
+                  <a:srgbClr val="424242"/>
+                </a:solidFill>
+              </a:rPr>
+              <a:t>Create a CSV output of cleaned data</a:t>
+            </a:r>
+            <a:endParaRPr sz="1500">
+              <a:solidFill>
+                <a:srgbClr val="424242"/>
+              </a:solidFill>
+            </a:endParaRPr>
+          </a:p>
+          <a:p>
+            <a:pPr indent="0" lvl="0" marL="0" rtl="0" algn="l">
+              <a:lnSpc>
+                <a:spcPct val="115000"/>
+              </a:lnSpc>
+              <a:spcBef>
+                <a:spcPts val="0"/>
+              </a:spcBef>
+              <a:spcAft>
+                <a:spcPts val="0"/>
+              </a:spcAft>
+              <a:buNone/>
+            </a:pPr>
+            <a:r>
+              <a:t/>
+            </a:r>
+            <a:endParaRPr sz="1500">
+              <a:solidFill>
+                <a:srgbClr val="424242"/>
+              </a:solidFill>
+            </a:endParaRPr>
+          </a:p>
+          <a:p>
+            <a:pPr indent="0" lvl="0" marL="0" rtl="0" algn="l">
+              <a:lnSpc>
+                <a:spcPct val="115000"/>
+              </a:lnSpc>
+              <a:spcBef>
+                <a:spcPts val="0"/>
+              </a:spcBef>
+              <a:spcAft>
+                <a:spcPts val="0"/>
+              </a:spcAft>
+              <a:buNone/>
+            </a:pPr>
+            <a:r>
+              <a:t/>
+            </a:r>
+            <a:endParaRPr sz="1500">
+              <a:solidFill>
+                <a:srgbClr val="424242"/>
+              </a:solidFill>
+            </a:endParaRPr>
+          </a:p>
+          <a:p>
+            <a:pPr indent="0" lvl="0" marL="0" rtl="0" algn="l">
+              <a:lnSpc>
+                <a:spcPct val="115000"/>
+              </a:lnSpc>
+              <a:spcBef>
+                <a:spcPts val="0"/>
+              </a:spcBef>
+              <a:spcAft>
+                <a:spcPts val="0"/>
+              </a:spcAft>
+              <a:buNone/>
+            </a:pPr>
+            <a:r>
+              <a:t/>
+            </a:r>
+            <a:endParaRPr sz="1500">
+              <a:solidFill>
+                <a:srgbClr val="424242"/>
+              </a:solidFill>
+            </a:endParaRPr>
+          </a:p>
+          <a:p>
+            <a:pPr indent="0" lvl="0" marL="0" rtl="0" algn="l">
+              <a:lnSpc>
+                <a:spcPct val="115000"/>
+              </a:lnSpc>
+              <a:spcBef>
+                <a:spcPts val="0"/>
+              </a:spcBef>
+              <a:spcAft>
+                <a:spcPts val="0"/>
+              </a:spcAft>
+              <a:buNone/>
+            </a:pPr>
+            <a:r>
+              <a:t/>
+            </a:r>
+            <a:endParaRPr sz="1500">
+              <a:solidFill>
+                <a:srgbClr val="424242"/>
+              </a:solidFill>
+            </a:endParaRPr>
+          </a:p>
+          <a:p>
+            <a:pPr indent="0" lvl="0" marL="0" rtl="0" algn="l">
+              <a:spcBef>
+                <a:spcPts val="0"/>
+              </a:spcBef>
+              <a:spcAft>
+                <a:spcPts val="0"/>
+              </a:spcAft>
+              <a:buNone/>
+            </a:pPr>
+            <a:r>
+              <a:t/>
+            </a:r>
+            <a:endParaRPr/>
+          </a:p>
+          <a:p>
+            <a:pPr indent="0" lvl="0" marL="0" rtl="0" algn="l">
+              <a:spcBef>
+                <a:spcPts val="0"/>
+              </a:spcBef>
+              <a:spcAft>
+                <a:spcPts val="0"/>
+              </a:spcAft>
+              <a:buNone/>
+            </a:pPr>
+            <a:r>
+              <a:t/>
+            </a:r>
+            <a:endParaRPr/>
+          </a:p>
         </p:txBody>
       </p:sp>
     </p:spTree>
@@ -1099,7 +2080,7 @@
   <p:cSld>
     <p:spTree>
       <p:nvGrpSpPr>
-        <p:cNvPr id="295" name="Shape 295"/>
+        <p:cNvPr id="294" name="Shape 294"/>
         <p:cNvGrpSpPr/>
         <p:nvPr/>
       </p:nvGrpSpPr>
@@ -1113,7 +2094,7 @@
       </p:grpSpPr>
       <p:sp>
         <p:nvSpPr>
-          <p:cNvPr id="296" name="Google Shape;296;ge742c1e8b3_0_16:notes"/>
+          <p:cNvPr id="295" name="Google Shape;295;ge7744a6f0e_0_0:notes"/>
           <p:cNvSpPr/>
           <p:nvPr>
             <p:ph idx="2" type="sldImg"/>
@@ -1148,7 +2129,7 @@
       </p:sp>
       <p:sp>
         <p:nvSpPr>
-          <p:cNvPr id="297" name="Google Shape;297;ge742c1e8b3_0_16:notes"/>
+          <p:cNvPr id="296" name="Google Shape;296;ge7744a6f0e_0_0:notes"/>
           <p:cNvSpPr txBox="1"/>
           <p:nvPr>
             <p:ph idx="1" type="body"/>
@@ -1184,6 +2165,695 @@
             </a:r>
             <a:endParaRPr/>
           </a:p>
+          <a:p>
+            <a:pPr indent="0" lvl="0" marL="0" rtl="0" algn="l">
+              <a:lnSpc>
+                <a:spcPct val="115000"/>
+              </a:lnSpc>
+              <a:spcBef>
+                <a:spcPts val="0"/>
+              </a:spcBef>
+              <a:spcAft>
+                <a:spcPts val="0"/>
+              </a:spcAft>
+              <a:buClr>
+                <a:schemeClr val="dk1"/>
+              </a:buClr>
+              <a:buSzPts val="1100"/>
+              <a:buFont typeface="Arial"/>
+              <a:buNone/>
+            </a:pPr>
+            <a:r>
+              <a:rPr b="1" lang="en" sz="1500">
+                <a:solidFill>
+                  <a:schemeClr val="dk1"/>
+                </a:solidFill>
+              </a:rPr>
+              <a:t>Project 1 (Slide 2 and Slide 3)</a:t>
+            </a:r>
+            <a:endParaRPr b="1" sz="1500">
+              <a:solidFill>
+                <a:schemeClr val="dk1"/>
+              </a:solidFill>
+            </a:endParaRPr>
+          </a:p>
+          <a:p>
+            <a:pPr indent="0" lvl="0" marL="0" rtl="0" algn="l">
+              <a:lnSpc>
+                <a:spcPct val="115000"/>
+              </a:lnSpc>
+              <a:spcBef>
+                <a:spcPts val="0"/>
+              </a:spcBef>
+              <a:spcAft>
+                <a:spcPts val="0"/>
+              </a:spcAft>
+              <a:buClr>
+                <a:schemeClr val="dk1"/>
+              </a:buClr>
+              <a:buSzPts val="1100"/>
+              <a:buFont typeface="Arial"/>
+              <a:buNone/>
+            </a:pPr>
+            <a:r>
+              <a:t/>
+            </a:r>
+            <a:endParaRPr sz="1000">
+              <a:solidFill>
+                <a:schemeClr val="dk1"/>
+              </a:solidFill>
+            </a:endParaRPr>
+          </a:p>
+          <a:p>
+            <a:pPr indent="0" lvl="0" marL="0" rtl="0" algn="l">
+              <a:lnSpc>
+                <a:spcPct val="115000"/>
+              </a:lnSpc>
+              <a:spcBef>
+                <a:spcPts val="0"/>
+              </a:spcBef>
+              <a:spcAft>
+                <a:spcPts val="0"/>
+              </a:spcAft>
+              <a:buClr>
+                <a:schemeClr val="dk1"/>
+              </a:buClr>
+              <a:buSzPts val="1100"/>
+              <a:buFont typeface="Arial"/>
+              <a:buNone/>
+            </a:pPr>
+            <a:r>
+              <a:rPr lang="en" sz="1000">
+                <a:solidFill>
+                  <a:schemeClr val="dk1"/>
+                </a:solidFill>
+              </a:rPr>
+              <a:t>Outline:</a:t>
+            </a:r>
+            <a:endParaRPr sz="1000">
+              <a:solidFill>
+                <a:schemeClr val="dk1"/>
+              </a:solidFill>
+            </a:endParaRPr>
+          </a:p>
+          <a:p>
+            <a:pPr indent="-292100" lvl="0" marL="457200" rtl="0" algn="l">
+              <a:lnSpc>
+                <a:spcPct val="115000"/>
+              </a:lnSpc>
+              <a:spcBef>
+                <a:spcPts val="1200"/>
+              </a:spcBef>
+              <a:spcAft>
+                <a:spcPts val="0"/>
+              </a:spcAft>
+              <a:buClr>
+                <a:schemeClr val="dk1"/>
+              </a:buClr>
+              <a:buSzPts val="1000"/>
+              <a:buAutoNum type="arabicPeriod"/>
+            </a:pPr>
+            <a:r>
+              <a:rPr lang="en" sz="1000">
+                <a:solidFill>
+                  <a:schemeClr val="dk1"/>
+                </a:solidFill>
+              </a:rPr>
+              <a:t>Data Aggregation: </a:t>
+            </a:r>
+            <a:endParaRPr sz="1000">
+              <a:solidFill>
+                <a:schemeClr val="dk1"/>
+              </a:solidFill>
+            </a:endParaRPr>
+          </a:p>
+          <a:p>
+            <a:pPr indent="-292100" lvl="1" marL="914400" rtl="0" algn="l">
+              <a:lnSpc>
+                <a:spcPct val="115000"/>
+              </a:lnSpc>
+              <a:spcBef>
+                <a:spcPts val="0"/>
+              </a:spcBef>
+              <a:spcAft>
+                <a:spcPts val="0"/>
+              </a:spcAft>
+              <a:buClr>
+                <a:schemeClr val="dk1"/>
+              </a:buClr>
+              <a:buSzPts val="1000"/>
+              <a:buChar char="●"/>
+            </a:pPr>
+            <a:r>
+              <a:rPr lang="en" sz="1000">
+                <a:solidFill>
+                  <a:schemeClr val="dk1"/>
+                </a:solidFill>
+              </a:rPr>
+              <a:t>Break down to three statistics: Per Day, Per Borough, and Overall Crime.</a:t>
+            </a:r>
+            <a:endParaRPr sz="1000">
+              <a:solidFill>
+                <a:schemeClr val="dk1"/>
+              </a:solidFill>
+            </a:endParaRPr>
+          </a:p>
+          <a:p>
+            <a:pPr indent="-292100" lvl="1" marL="914400" rtl="0" algn="l">
+              <a:lnSpc>
+                <a:spcPct val="115000"/>
+              </a:lnSpc>
+              <a:spcBef>
+                <a:spcPts val="0"/>
+              </a:spcBef>
+              <a:spcAft>
+                <a:spcPts val="0"/>
+              </a:spcAft>
+              <a:buClr>
+                <a:schemeClr val="dk1"/>
+              </a:buClr>
+              <a:buSzPts val="1000"/>
+              <a:buChar char="●"/>
+            </a:pPr>
+            <a:r>
+              <a:rPr lang="en" sz="1000">
+                <a:solidFill>
+                  <a:schemeClr val="dk1"/>
+                </a:solidFill>
+              </a:rPr>
+              <a:t>In “Per Day”, we have two data sets, which are Covid Case Count and Crime Complaints. Also, we looked into the relationship between Daily Crime vs Daily Covid.</a:t>
+            </a:r>
+            <a:endParaRPr sz="1000">
+              <a:solidFill>
+                <a:schemeClr val="dk1"/>
+              </a:solidFill>
+            </a:endParaRPr>
+          </a:p>
+          <a:p>
+            <a:pPr indent="-292100" lvl="1" marL="914400" rtl="0" algn="l">
+              <a:lnSpc>
+                <a:spcPct val="115000"/>
+              </a:lnSpc>
+              <a:spcBef>
+                <a:spcPts val="0"/>
+              </a:spcBef>
+              <a:spcAft>
+                <a:spcPts val="0"/>
+              </a:spcAft>
+              <a:buClr>
+                <a:schemeClr val="dk1"/>
+              </a:buClr>
+              <a:buSzPts val="1000"/>
+              <a:buChar char="●"/>
+            </a:pPr>
+            <a:r>
+              <a:rPr lang="en" sz="1000">
+                <a:solidFill>
+                  <a:schemeClr val="dk1"/>
+                </a:solidFill>
+              </a:rPr>
+              <a:t>In “Per Borough”, we looked into the five neighborhoods, which is Brooklyn, Bronx, Queens, Manhatton, Staten Island for Covid Case Count and Crime Complaints.</a:t>
+            </a:r>
+            <a:endParaRPr sz="1000">
+              <a:solidFill>
+                <a:schemeClr val="dk1"/>
+              </a:solidFill>
+            </a:endParaRPr>
+          </a:p>
+          <a:p>
+            <a:pPr indent="-292100" lvl="1" marL="914400" rtl="0" algn="l">
+              <a:lnSpc>
+                <a:spcPct val="115000"/>
+              </a:lnSpc>
+              <a:spcBef>
+                <a:spcPts val="0"/>
+              </a:spcBef>
+              <a:spcAft>
+                <a:spcPts val="0"/>
+              </a:spcAft>
+              <a:buClr>
+                <a:schemeClr val="dk1"/>
+              </a:buClr>
+              <a:buSzPts val="1000"/>
+              <a:buChar char="●"/>
+            </a:pPr>
+            <a:r>
+              <a:rPr lang="en" sz="1000">
+                <a:solidFill>
+                  <a:schemeClr val="dk1"/>
+                </a:solidFill>
+              </a:rPr>
+              <a:t>In “Overall Crime”, we looked into “Type of Crime” and “Demographics (Suspect Age &amp; Race)”.</a:t>
+            </a:r>
+            <a:endParaRPr sz="1000">
+              <a:solidFill>
+                <a:schemeClr val="dk1"/>
+              </a:solidFill>
+            </a:endParaRPr>
+          </a:p>
+          <a:p>
+            <a:pPr indent="0" lvl="0" marL="0" rtl="0" algn="l">
+              <a:lnSpc>
+                <a:spcPct val="115000"/>
+              </a:lnSpc>
+              <a:spcBef>
+                <a:spcPts val="1200"/>
+              </a:spcBef>
+              <a:spcAft>
+                <a:spcPts val="0"/>
+              </a:spcAft>
+              <a:buClr>
+                <a:schemeClr val="dk1"/>
+              </a:buClr>
+              <a:buSzPts val="1100"/>
+              <a:buFont typeface="Arial"/>
+              <a:buNone/>
+            </a:pPr>
+            <a:r>
+              <a:t/>
+            </a:r>
+            <a:endParaRPr sz="1000">
+              <a:solidFill>
+                <a:schemeClr val="dk1"/>
+              </a:solidFill>
+            </a:endParaRPr>
+          </a:p>
+          <a:p>
+            <a:pPr indent="0" lvl="0" marL="0" rtl="0" algn="l">
+              <a:lnSpc>
+                <a:spcPct val="115000"/>
+              </a:lnSpc>
+              <a:spcBef>
+                <a:spcPts val="0"/>
+              </a:spcBef>
+              <a:spcAft>
+                <a:spcPts val="0"/>
+              </a:spcAft>
+              <a:buClr>
+                <a:schemeClr val="dk1"/>
+              </a:buClr>
+              <a:buSzPts val="1100"/>
+              <a:buFont typeface="Arial"/>
+              <a:buNone/>
+            </a:pPr>
+            <a:r>
+              <a:rPr b="1" lang="en" sz="1200">
+                <a:solidFill>
+                  <a:schemeClr val="dk1"/>
+                </a:solidFill>
+              </a:rPr>
+              <a:t>Presentation: (my speech)</a:t>
+            </a:r>
+            <a:endParaRPr b="1" sz="1200">
+              <a:solidFill>
+                <a:schemeClr val="dk1"/>
+              </a:solidFill>
+            </a:endParaRPr>
+          </a:p>
+          <a:p>
+            <a:pPr indent="0" lvl="0" marL="0" rtl="0" algn="l">
+              <a:lnSpc>
+                <a:spcPct val="115000"/>
+              </a:lnSpc>
+              <a:spcBef>
+                <a:spcPts val="200"/>
+              </a:spcBef>
+              <a:spcAft>
+                <a:spcPts val="0"/>
+              </a:spcAft>
+              <a:buClr>
+                <a:schemeClr val="dk1"/>
+              </a:buClr>
+              <a:buSzPts val="1100"/>
+              <a:buFont typeface="Arial"/>
+              <a:buNone/>
+            </a:pPr>
+            <a:r>
+              <a:rPr lang="en" sz="1000">
+                <a:solidFill>
+                  <a:schemeClr val="dk1"/>
+                </a:solidFill>
+              </a:rPr>
+              <a:t>In data cleaning we merged all five </a:t>
+            </a:r>
+            <a:r>
+              <a:rPr lang="en" sz="1000" u="sng">
+                <a:solidFill>
+                  <a:schemeClr val="dk1"/>
+                </a:solidFill>
+              </a:rPr>
+              <a:t>NYC Crime DataSet</a:t>
+            </a:r>
+            <a:r>
+              <a:rPr lang="en" sz="1000">
+                <a:solidFill>
+                  <a:schemeClr val="dk1"/>
+                </a:solidFill>
+              </a:rPr>
+              <a:t> and </a:t>
+            </a:r>
+            <a:r>
+              <a:rPr lang="en" sz="1000" u="sng">
+                <a:solidFill>
+                  <a:schemeClr val="dk1"/>
+                </a:solidFill>
+              </a:rPr>
+              <a:t>COVID-19 Daily Counts of Cases.csv</a:t>
+            </a:r>
+            <a:r>
+              <a:rPr lang="en" sz="1000">
+                <a:solidFill>
+                  <a:schemeClr val="dk1"/>
+                </a:solidFill>
+              </a:rPr>
+              <a:t>. During data cleaning we dropped unnecessary columns and data. We used LOC function to align dates across data sources and Data Frames, standardized date format in merged Data Frames, and replaced missing data with ‘N/A’. </a:t>
+            </a:r>
+            <a:endParaRPr sz="1000">
+              <a:solidFill>
+                <a:schemeClr val="dk1"/>
+              </a:solidFill>
+            </a:endParaRPr>
+          </a:p>
+          <a:p>
+            <a:pPr indent="0" lvl="0" marL="0" rtl="0" algn="l">
+              <a:lnSpc>
+                <a:spcPct val="115000"/>
+              </a:lnSpc>
+              <a:spcBef>
+                <a:spcPts val="0"/>
+              </a:spcBef>
+              <a:spcAft>
+                <a:spcPts val="0"/>
+              </a:spcAft>
+              <a:buClr>
+                <a:schemeClr val="dk1"/>
+              </a:buClr>
+              <a:buSzPts val="1100"/>
+              <a:buFont typeface="Arial"/>
+              <a:buNone/>
+            </a:pPr>
+            <a:r>
+              <a:t/>
+            </a:r>
+            <a:endParaRPr sz="1000">
+              <a:solidFill>
+                <a:schemeClr val="dk1"/>
+              </a:solidFill>
+            </a:endParaRPr>
+          </a:p>
+          <a:p>
+            <a:pPr indent="0" lvl="0" marL="0" rtl="0" algn="l">
+              <a:lnSpc>
+                <a:spcPct val="115000"/>
+              </a:lnSpc>
+              <a:spcBef>
+                <a:spcPts val="0"/>
+              </a:spcBef>
+              <a:spcAft>
+                <a:spcPts val="0"/>
+              </a:spcAft>
+              <a:buClr>
+                <a:schemeClr val="dk1"/>
+              </a:buClr>
+              <a:buSzPts val="1100"/>
+              <a:buFont typeface="Arial"/>
+              <a:buNone/>
+            </a:pPr>
+            <a:r>
+              <a:rPr lang="en" sz="1000">
+                <a:solidFill>
+                  <a:schemeClr val="dk1"/>
+                </a:solidFill>
+              </a:rPr>
+              <a:t>Afterwards, we exported the clean data as </a:t>
+            </a:r>
+            <a:r>
+              <a:rPr lang="en" sz="1000" u="sng">
+                <a:solidFill>
+                  <a:schemeClr val="dk1"/>
+                </a:solidFill>
+              </a:rPr>
+              <a:t>merged_NYC_data.csv</a:t>
+            </a:r>
+            <a:r>
+              <a:rPr lang="en" sz="1000">
+                <a:solidFill>
+                  <a:schemeClr val="dk1"/>
+                </a:solidFill>
+              </a:rPr>
+              <a:t>. </a:t>
+            </a:r>
+            <a:endParaRPr sz="1000">
+              <a:solidFill>
+                <a:schemeClr val="dk1"/>
+              </a:solidFill>
+            </a:endParaRPr>
+          </a:p>
+          <a:p>
+            <a:pPr indent="0" lvl="0" marL="0" rtl="0" algn="l">
+              <a:lnSpc>
+                <a:spcPct val="115000"/>
+              </a:lnSpc>
+              <a:spcBef>
+                <a:spcPts val="0"/>
+              </a:spcBef>
+              <a:spcAft>
+                <a:spcPts val="0"/>
+              </a:spcAft>
+              <a:buClr>
+                <a:schemeClr val="dk1"/>
+              </a:buClr>
+              <a:buSzPts val="1100"/>
+              <a:buFont typeface="Arial"/>
+              <a:buNone/>
+            </a:pPr>
+            <a:r>
+              <a:rPr lang="en" sz="1000">
+                <a:solidFill>
+                  <a:schemeClr val="dk1"/>
+                </a:solidFill>
+              </a:rPr>
+              <a:t>All data we showed are between Feb/29/20 to Sept/29/20, and below the slide are the links to the sources.</a:t>
+            </a:r>
+            <a:endParaRPr sz="1000">
+              <a:solidFill>
+                <a:schemeClr val="dk1"/>
+              </a:solidFill>
+            </a:endParaRPr>
+          </a:p>
+          <a:p>
+            <a:pPr indent="0" lvl="0" marL="0" rtl="0" algn="l">
+              <a:lnSpc>
+                <a:spcPct val="115000"/>
+              </a:lnSpc>
+              <a:spcBef>
+                <a:spcPts val="0"/>
+              </a:spcBef>
+              <a:spcAft>
+                <a:spcPts val="0"/>
+              </a:spcAft>
+              <a:buClr>
+                <a:schemeClr val="dk1"/>
+              </a:buClr>
+              <a:buSzPts val="1100"/>
+              <a:buFont typeface="Arial"/>
+              <a:buNone/>
+            </a:pPr>
+            <a:r>
+              <a:t/>
+            </a:r>
+            <a:endParaRPr sz="1000">
+              <a:solidFill>
+                <a:schemeClr val="dk1"/>
+              </a:solidFill>
+            </a:endParaRPr>
+          </a:p>
+          <a:p>
+            <a:pPr indent="0" lvl="0" marL="0" rtl="0" algn="l">
+              <a:lnSpc>
+                <a:spcPct val="115000"/>
+              </a:lnSpc>
+              <a:spcBef>
+                <a:spcPts val="0"/>
+              </a:spcBef>
+              <a:spcAft>
+                <a:spcPts val="0"/>
+              </a:spcAft>
+              <a:buClr>
+                <a:schemeClr val="dk1"/>
+              </a:buClr>
+              <a:buSzPts val="1100"/>
+              <a:buFont typeface="Arial"/>
+              <a:buNone/>
+            </a:pPr>
+            <a:r>
+              <a:rPr lang="en" sz="1000">
+                <a:solidFill>
+                  <a:schemeClr val="dk1"/>
+                </a:solidFill>
+              </a:rPr>
+              <a:t>To next slide, we imported the </a:t>
+            </a:r>
+            <a:r>
+              <a:rPr lang="en" sz="1000" u="sng">
+                <a:solidFill>
+                  <a:schemeClr val="dk1"/>
+                </a:solidFill>
+              </a:rPr>
+              <a:t>merged_NYC_data.csv</a:t>
+            </a:r>
+            <a:r>
+              <a:rPr lang="en" sz="1000">
+                <a:solidFill>
+                  <a:schemeClr val="dk1"/>
+                </a:solidFill>
+              </a:rPr>
+              <a:t>. file and started to analyze the data. We divided the data to three types, which is “Per Day”, “Per Borough”, and “Overall Crime”.</a:t>
+            </a:r>
+            <a:endParaRPr sz="1000">
+              <a:solidFill>
+                <a:schemeClr val="dk1"/>
+              </a:solidFill>
+            </a:endParaRPr>
+          </a:p>
+          <a:p>
+            <a:pPr indent="0" lvl="0" marL="0" rtl="0" algn="l">
+              <a:lnSpc>
+                <a:spcPct val="115000"/>
+              </a:lnSpc>
+              <a:spcBef>
+                <a:spcPts val="0"/>
+              </a:spcBef>
+              <a:spcAft>
+                <a:spcPts val="0"/>
+              </a:spcAft>
+              <a:buClr>
+                <a:schemeClr val="dk1"/>
+              </a:buClr>
+              <a:buSzPts val="1100"/>
+              <a:buFont typeface="Arial"/>
+              <a:buNone/>
+            </a:pPr>
+            <a:r>
+              <a:rPr lang="en" sz="1000">
+                <a:solidFill>
+                  <a:schemeClr val="dk1"/>
+                </a:solidFill>
+              </a:rPr>
+              <a:t>In “Per Day”, we analyzed COVID case count and crime complaints. Furthermore, we looked into the relationship in “Daily Crime vs Daily Covid”.  In “Per Borough”, we counted the COVID cases and the Crime Complaints in each five neighborhood. Which is Brooklyn, Bronx, Queens, Manhattan, and Staten Island.</a:t>
+            </a:r>
+            <a:endParaRPr sz="1000">
+              <a:solidFill>
+                <a:schemeClr val="dk1"/>
+              </a:solidFill>
+            </a:endParaRPr>
+          </a:p>
+          <a:p>
+            <a:pPr indent="0" lvl="0" marL="0" rtl="0" algn="l">
+              <a:lnSpc>
+                <a:spcPct val="115000"/>
+              </a:lnSpc>
+              <a:spcBef>
+                <a:spcPts val="0"/>
+              </a:spcBef>
+              <a:spcAft>
+                <a:spcPts val="0"/>
+              </a:spcAft>
+              <a:buClr>
+                <a:schemeClr val="dk1"/>
+              </a:buClr>
+              <a:buSzPts val="1100"/>
+              <a:buFont typeface="Arial"/>
+              <a:buNone/>
+            </a:pPr>
+            <a:r>
+              <a:rPr lang="en" sz="1000">
+                <a:solidFill>
+                  <a:schemeClr val="dk1"/>
+                </a:solidFill>
+              </a:rPr>
+              <a:t>In “Over Crime”, we discovered the types of crime and demographic. In demographics, we broke down to suspect age and race.</a:t>
+            </a:r>
+            <a:endParaRPr sz="1000">
+              <a:solidFill>
+                <a:schemeClr val="dk1"/>
+              </a:solidFill>
+            </a:endParaRPr>
+          </a:p>
+          <a:p>
+            <a:pPr indent="0" lvl="0" marL="0" rtl="0" algn="l">
+              <a:lnSpc>
+                <a:spcPct val="115000"/>
+              </a:lnSpc>
+              <a:spcBef>
+                <a:spcPts val="0"/>
+              </a:spcBef>
+              <a:spcAft>
+                <a:spcPts val="0"/>
+              </a:spcAft>
+              <a:buClr>
+                <a:schemeClr val="dk1"/>
+              </a:buClr>
+              <a:buSzPts val="1100"/>
+              <a:buFont typeface="Arial"/>
+              <a:buNone/>
+            </a:pPr>
+            <a:r>
+              <a:t/>
+            </a:r>
+            <a:endParaRPr sz="1000">
+              <a:solidFill>
+                <a:schemeClr val="dk1"/>
+              </a:solidFill>
+            </a:endParaRPr>
+          </a:p>
+          <a:p>
+            <a:pPr indent="0" lvl="0" marL="0" rtl="0" algn="l">
+              <a:lnSpc>
+                <a:spcPct val="115000"/>
+              </a:lnSpc>
+              <a:spcBef>
+                <a:spcPts val="0"/>
+              </a:spcBef>
+              <a:spcAft>
+                <a:spcPts val="0"/>
+              </a:spcAft>
+              <a:buClr>
+                <a:schemeClr val="dk1"/>
+              </a:buClr>
+              <a:buSzPts val="1100"/>
+              <a:buFont typeface="Arial"/>
+              <a:buNone/>
+            </a:pPr>
+            <a:r>
+              <a:rPr lang="en" sz="1000">
+                <a:solidFill>
+                  <a:schemeClr val="dk1"/>
+                </a:solidFill>
+              </a:rPr>
+              <a:t>We tried to find if there’s a correlation between COVID - 19 cases and criminal behavior.</a:t>
+            </a:r>
+            <a:endParaRPr sz="1000">
+              <a:solidFill>
+                <a:schemeClr val="dk1"/>
+              </a:solidFill>
+            </a:endParaRPr>
+          </a:p>
+          <a:p>
+            <a:pPr indent="0" lvl="0" marL="0" rtl="0" algn="l">
+              <a:spcBef>
+                <a:spcPts val="0"/>
+              </a:spcBef>
+              <a:spcAft>
+                <a:spcPts val="0"/>
+              </a:spcAft>
+              <a:buNone/>
+            </a:pPr>
+            <a:r>
+              <a:t/>
+            </a:r>
+            <a:endParaRPr/>
+          </a:p>
         </p:txBody>
       </p:sp>
     </p:spTree>
@@ -1199,7 +2869,7 @@
   <p:cSld>
     <p:spTree>
       <p:nvGrpSpPr>
-        <p:cNvPr id="325" name="Shape 325"/>
+        <p:cNvPr id="324" name="Shape 324"/>
         <p:cNvGrpSpPr/>
         <p:nvPr/>
       </p:nvGrpSpPr>
@@ -1213,7 +2883,7 @@
       </p:grpSpPr>
       <p:sp>
         <p:nvSpPr>
-          <p:cNvPr id="326" name="Google Shape;326;ge751960876_0_1:notes"/>
+          <p:cNvPr id="325" name="Google Shape;325;ge751960876_0_1:notes"/>
           <p:cNvSpPr/>
           <p:nvPr>
             <p:ph idx="2" type="sldImg"/>
@@ -1248,7 +2918,7 @@
       </p:sp>
       <p:sp>
         <p:nvSpPr>
-          <p:cNvPr id="327" name="Google Shape;327;ge751960876_0_1:notes"/>
+          <p:cNvPr id="326" name="Google Shape;326;ge751960876_0_1:notes"/>
           <p:cNvSpPr txBox="1"/>
           <p:nvPr>
             <p:ph idx="1" type="body"/>
@@ -1284,6 +2954,76 @@
             </a:r>
             <a:endParaRPr/>
           </a:p>
+          <a:p>
+            <a:pPr indent="0" lvl="0" marL="0" rtl="0" algn="l">
+              <a:spcBef>
+                <a:spcPts val="0"/>
+              </a:spcBef>
+              <a:spcAft>
+                <a:spcPts val="0"/>
+              </a:spcAft>
+              <a:buNone/>
+            </a:pPr>
+            <a:r>
+              <a:t/>
+            </a:r>
+            <a:endParaRPr/>
+          </a:p>
+          <a:p>
+            <a:pPr indent="0" lvl="0" marL="0" rtl="0" algn="l">
+              <a:spcBef>
+                <a:spcPts val="0"/>
+              </a:spcBef>
+              <a:spcAft>
+                <a:spcPts val="0"/>
+              </a:spcAft>
+              <a:buNone/>
+            </a:pPr>
+            <a:r>
+              <a:rPr lang="en"/>
+              <a:t>When examining our data, we realized Queens had the most covid cases and wanted to see how that translated into the crime rates. Upon further investigation, the covid line graph for Queens followed the same trend as the overall graph and the crime rate remained consistent. The exception to this, however, was a </a:t>
+            </a:r>
+            <a:r>
+              <a:rPr lang="en"/>
+              <a:t>noticeable</a:t>
+            </a:r>
+            <a:r>
+              <a:rPr lang="en"/>
+              <a:t> dip when covid cases were at its highest, giving Queens a strong correlation between its covid cases and crime reports.</a:t>
+            </a:r>
+            <a:endParaRPr/>
+          </a:p>
+          <a:p>
+            <a:pPr indent="0" lvl="0" marL="0" rtl="0" algn="l">
+              <a:spcBef>
+                <a:spcPts val="0"/>
+              </a:spcBef>
+              <a:spcAft>
+                <a:spcPts val="0"/>
+              </a:spcAft>
+              <a:buNone/>
+            </a:pPr>
+            <a:r>
+              <a:t/>
+            </a:r>
+            <a:endParaRPr/>
+          </a:p>
+          <a:p>
+            <a:pPr indent="0" lvl="0" marL="0" rtl="0" algn="l">
+              <a:spcBef>
+                <a:spcPts val="0"/>
+              </a:spcBef>
+              <a:spcAft>
+                <a:spcPts val="0"/>
+              </a:spcAft>
+              <a:buNone/>
+            </a:pPr>
+            <a:r>
+              <a:rPr lang="en"/>
+              <a:t>When looking at the crime reports, we noticed a drastic outlier. We then ran this same graph for each borough individually to see if they all followed this trend or if one borough was responsible for this outlier. After doing this, only one borough had a graph that matched this one: Manhattan. Considering the date was at the end of May, this outlier can be linked to the protest happening in Manhattan.</a:t>
+            </a:r>
+            <a:endParaRPr/>
+          </a:p>
         </p:txBody>
       </p:sp>
     </p:spTree>
@@ -1299,7 +3039,7 @@
   <p:cSld>
     <p:spTree>
       <p:nvGrpSpPr>
-        <p:cNvPr id="334" name="Shape 334"/>
+        <p:cNvPr id="333" name="Shape 333"/>
         <p:cNvGrpSpPr/>
         <p:nvPr/>
       </p:nvGrpSpPr>
@@ -1313,7 +3053,7 @@
       </p:grpSpPr>
       <p:sp>
         <p:nvSpPr>
-          <p:cNvPr id="335" name="Google Shape;335;ge742c1e8b3_0_22:notes"/>
+          <p:cNvPr id="334" name="Google Shape;334;ge742c1e8b3_0_22:notes"/>
           <p:cNvSpPr/>
           <p:nvPr>
             <p:ph idx="2" type="sldImg"/>
@@ -1348,7 +3088,7 @@
       </p:sp>
       <p:sp>
         <p:nvSpPr>
-          <p:cNvPr id="336" name="Google Shape;336;ge742c1e8b3_0_22:notes"/>
+          <p:cNvPr id="335" name="Google Shape;335;ge742c1e8b3_0_22:notes"/>
           <p:cNvSpPr txBox="1"/>
           <p:nvPr>
             <p:ph idx="1" type="body"/>
@@ -1379,10 +3119,137 @@
               <a:buNone/>
             </a:pPr>
             <a:r>
-              <a:rPr lang="en"/>
+              <a:rPr lang="en" sz="1400"/>
               <a:t>Claudia/Jared</a:t>
             </a:r>
-            <a:endParaRPr/>
+            <a:endParaRPr sz="1400"/>
+          </a:p>
+          <a:p>
+            <a:pPr indent="0" lvl="0" marL="0" rtl="0" algn="l">
+              <a:spcBef>
+                <a:spcPts val="0"/>
+              </a:spcBef>
+              <a:spcAft>
+                <a:spcPts val="0"/>
+              </a:spcAft>
+              <a:buNone/>
+            </a:pPr>
+            <a:r>
+              <a:rPr lang="en" sz="1400"/>
+              <a:t>Claudia: QN has </a:t>
+            </a:r>
+            <a:r>
+              <a:rPr lang="en" sz="1400">
+                <a:solidFill>
+                  <a:schemeClr val="dk1"/>
+                </a:solidFill>
+                <a:highlight>
+                  <a:schemeClr val="lt1"/>
+                </a:highlight>
+              </a:rPr>
+              <a:t>Strongest linear correlation between daily covid cases and crime of any NYC borough, followed by Brooklyn and Bronx</a:t>
+            </a:r>
+            <a:endParaRPr sz="1400">
+              <a:solidFill>
+                <a:schemeClr val="dk1"/>
+              </a:solidFill>
+              <a:highlight>
+                <a:schemeClr val="lt1"/>
+              </a:highlight>
+            </a:endParaRPr>
+          </a:p>
+          <a:p>
+            <a:pPr indent="0" lvl="0" marL="0" rtl="0" algn="l">
+              <a:spcBef>
+                <a:spcPts val="0"/>
+              </a:spcBef>
+              <a:spcAft>
+                <a:spcPts val="0"/>
+              </a:spcAft>
+              <a:buNone/>
+            </a:pPr>
+            <a:r>
+              <a:t/>
+            </a:r>
+            <a:endParaRPr sz="1400">
+              <a:solidFill>
+                <a:schemeClr val="dk1"/>
+              </a:solidFill>
+              <a:highlight>
+                <a:schemeClr val="lt1"/>
+              </a:highlight>
+            </a:endParaRPr>
+          </a:p>
+          <a:p>
+            <a:pPr indent="0" lvl="0" marL="0" rtl="0" algn="l">
+              <a:spcBef>
+                <a:spcPts val="0"/>
+              </a:spcBef>
+              <a:spcAft>
+                <a:spcPts val="0"/>
+              </a:spcAft>
+              <a:buNone/>
+            </a:pPr>
+            <a:r>
+              <a:rPr b="1" lang="en" sz="1400">
+                <a:solidFill>
+                  <a:schemeClr val="dk1"/>
+                </a:solidFill>
+                <a:highlight>
+                  <a:schemeClr val="lt1"/>
+                </a:highlight>
+              </a:rPr>
+              <a:t>Jared</a:t>
+            </a:r>
+            <a:r>
+              <a:rPr lang="en" sz="1400">
+                <a:solidFill>
+                  <a:schemeClr val="dk1"/>
+                </a:solidFill>
+                <a:highlight>
+                  <a:schemeClr val="lt1"/>
+                </a:highlight>
+              </a:rPr>
+              <a:t>: This is supported by the graph presented here. We see crime start to decrease as covid cases increase, supporting a noticeable correlation between crime #s and covid cases. We suspect this is due to lockdown measures NYC put in place to curb the spread of coronavirus. </a:t>
+            </a:r>
+            <a:endParaRPr sz="1400">
+              <a:solidFill>
+                <a:schemeClr val="dk1"/>
+              </a:solidFill>
+              <a:highlight>
+                <a:schemeClr val="lt1"/>
+              </a:highlight>
+            </a:endParaRPr>
+          </a:p>
+          <a:p>
+            <a:pPr indent="0" lvl="0" marL="0" rtl="0" algn="l">
+              <a:spcBef>
+                <a:spcPts val="0"/>
+              </a:spcBef>
+              <a:spcAft>
+                <a:spcPts val="0"/>
+              </a:spcAft>
+              <a:buNone/>
+            </a:pPr>
+            <a:r>
+              <a:rPr lang="en" sz="1400">
+                <a:solidFill>
+                  <a:schemeClr val="dk1"/>
+                </a:solidFill>
+                <a:highlight>
+                  <a:schemeClr val="lt1"/>
+                </a:highlight>
+              </a:rPr>
+              <a:t>However, this “peace” did not last forever, as there is a noticeable uptick in crime as covid cases reach a maximum. </a:t>
+            </a:r>
+            <a:endParaRPr sz="1400">
+              <a:solidFill>
+                <a:schemeClr val="dk1"/>
+              </a:solidFill>
+              <a:highlight>
+                <a:schemeClr val="lt1"/>
+              </a:highlight>
+            </a:endParaRPr>
           </a:p>
         </p:txBody>
       </p:sp>
@@ -1399,7 +3266,7 @@
   <p:cSld>
     <p:spTree>
       <p:nvGrpSpPr>
-        <p:cNvPr id="341" name="Shape 341"/>
+        <p:cNvPr id="340" name="Shape 340"/>
         <p:cNvGrpSpPr/>
         <p:nvPr/>
       </p:nvGrpSpPr>
@@ -1413,7 +3280,7 @@
       </p:grpSpPr>
       <p:sp>
         <p:nvSpPr>
-          <p:cNvPr id="342" name="Google Shape;342;ge742c1e8b3_0_985:notes"/>
+          <p:cNvPr id="341" name="Google Shape;341;ge742c1e8b3_0_985:notes"/>
           <p:cNvSpPr/>
           <p:nvPr>
             <p:ph idx="2" type="sldImg"/>
@@ -1448,7 +3315,7 @@
       </p:sp>
       <p:sp>
         <p:nvSpPr>
-          <p:cNvPr id="343" name="Google Shape;343;ge742c1e8b3_0_985:notes"/>
+          <p:cNvPr id="342" name="Google Shape;342;ge742c1e8b3_0_985:notes"/>
           <p:cNvSpPr txBox="1"/>
           <p:nvPr>
             <p:ph idx="1" type="body"/>
@@ -1479,8 +3346,67 @@
               <a:buNone/>
             </a:pPr>
             <a:r>
+              <a:rPr b="1" lang="en"/>
+              <a:t>Jared</a:t>
+            </a:r>
+            <a:r>
               <a:rPr lang="en"/>
-              <a:t>Jared</a:t>
+              <a:t>: Since Queens, Brooklyn and the Bronx had the highest correlation, we wanted to verify that we were not reading our own bias into the data. So we took the </a:t>
+            </a:r>
+            <a:r>
+              <a:rPr lang="en"/>
+              <a:t>borough</a:t>
+            </a:r>
+            <a:r>
+              <a:rPr lang="en"/>
+              <a:t> with a lower r-value and produced a chart of crime vs. covid cases over a period from Feb 2020 to Sept 2020 to see if a similar inflection point was noticed. </a:t>
+            </a:r>
+            <a:endParaRPr/>
+          </a:p>
+          <a:p>
+            <a:pPr indent="0" lvl="0" marL="0" rtl="0" algn="l">
+              <a:spcBef>
+                <a:spcPts val="0"/>
+              </a:spcBef>
+              <a:spcAft>
+                <a:spcPts val="0"/>
+              </a:spcAft>
+              <a:buNone/>
+            </a:pPr>
+            <a:r>
+              <a:rPr lang="en"/>
+              <a:t>As presented here, the trends reappear with crime dropping as covid cases sharply rise. A similar inflection point in seen in the MN data as viewed in the QN data as covid cases reach a maximum point, crime trends reverse and start to rise again. This spike is assumed to be related to the George Floyd protests in the summer of 2020. </a:t>
+            </a:r>
+            <a:endParaRPr/>
+          </a:p>
+          <a:p>
+            <a:pPr indent="0" lvl="0" marL="0" rtl="0" algn="l">
+              <a:spcBef>
+                <a:spcPts val="0"/>
+              </a:spcBef>
+              <a:spcAft>
+                <a:spcPts val="0"/>
+              </a:spcAft>
+              <a:buNone/>
+            </a:pPr>
+            <a:r>
+              <a:t/>
+            </a:r>
+            <a:endParaRPr/>
+          </a:p>
+          <a:p>
+            <a:pPr indent="0" lvl="0" marL="0" rtl="0" algn="l">
+              <a:spcBef>
+                <a:spcPts val="0"/>
+              </a:spcBef>
+              <a:spcAft>
+                <a:spcPts val="0"/>
+              </a:spcAft>
+              <a:buNone/>
+            </a:pPr>
+            <a:r>
+              <a:rPr lang="en"/>
+              <a:t>The sharp spike in crime represents an outlier in our data but follows the general trend of increasing crime as covid #’s dropped again. This </a:t>
             </a:r>
             <a:endParaRPr/>
           </a:p>
@@ -1584,6 +3510,41 @@
             </a:r>
             <a:endParaRPr/>
           </a:p>
+          <a:p>
+            <a:pPr indent="0" lvl="0" marL="0" rtl="0" algn="l">
+              <a:spcBef>
+                <a:spcPts val="0"/>
+              </a:spcBef>
+              <a:spcAft>
+                <a:spcPts val="0"/>
+              </a:spcAft>
+              <a:buNone/>
+            </a:pPr>
+            <a:r>
+              <a:t/>
+            </a:r>
+            <a:endParaRPr/>
+          </a:p>
+          <a:p>
+            <a:pPr indent="0" lvl="0" marL="0" rtl="0" algn="l">
+              <a:spcBef>
+                <a:spcPts val="0"/>
+              </a:spcBef>
+              <a:spcAft>
+                <a:spcPts val="0"/>
+              </a:spcAft>
+              <a:buNone/>
+            </a:pPr>
+            <a:r>
+              <a:rPr lang="en"/>
+              <a:t>We wanted to see not only volume of crime as it relates to covid cases but also the types of crime. Here on the left, we see the crime reports on a particularly high covid day (we chose April 1st, 2020). The graph on the right shows crime reports on a particularly low covid day (we chose September 4th, 2020). For the most part, crime type did not change except the crimes that involved other people, such as </a:t>
+            </a:r>
+            <a:r>
+              <a:rPr lang="en"/>
+              <a:t>harassment and assault, did increase slightly as the threat of COVID went down. This could be because more people were out and available to be targets of the crime.</a:t>
+            </a:r>
+            <a:endParaRPr/>
+          </a:p>
         </p:txBody>
       </p:sp>
     </p:spTree>
@@ -1681,6 +3642,128 @@
             <a:r>
               <a:rPr lang="en"/>
               <a:t>Edmund</a:t>
+            </a:r>
+            <a:endParaRPr/>
+          </a:p>
+          <a:p>
+            <a:pPr indent="0" lvl="0" marL="0" rtl="0" algn="l">
+              <a:spcBef>
+                <a:spcPts val="0"/>
+              </a:spcBef>
+              <a:spcAft>
+                <a:spcPts val="0"/>
+              </a:spcAft>
+              <a:buNone/>
+            </a:pPr>
+            <a:r>
+              <a:t/>
+            </a:r>
+            <a:endParaRPr/>
+          </a:p>
+          <a:p>
+            <a:pPr indent="0" lvl="0" marL="0" rtl="0" algn="l">
+              <a:spcBef>
+                <a:spcPts val="0"/>
+              </a:spcBef>
+              <a:spcAft>
+                <a:spcPts val="0"/>
+              </a:spcAft>
+              <a:buNone/>
+            </a:pPr>
+            <a:r>
+              <a:rPr lang="en"/>
+              <a:t>H</a:t>
+            </a:r>
+            <a:r>
+              <a:rPr lang="en"/>
+              <a:t>ere is a heat map showing a geographic view of  the relative crime levels in each borough of NYC. The table also displays crime constituted per borough by total count and percentage of crime.</a:t>
+            </a:r>
+            <a:endParaRPr/>
+          </a:p>
+          <a:p>
+            <a:pPr indent="0" lvl="0" marL="0" rtl="0" algn="l">
+              <a:spcBef>
+                <a:spcPts val="0"/>
+              </a:spcBef>
+              <a:spcAft>
+                <a:spcPts val="0"/>
+              </a:spcAft>
+              <a:buNone/>
+            </a:pPr>
+            <a:r>
+              <a:t/>
+            </a:r>
+            <a:endParaRPr/>
+          </a:p>
+          <a:p>
+            <a:pPr indent="0" lvl="0" marL="0" rtl="0" algn="l">
+              <a:spcBef>
+                <a:spcPts val="0"/>
+              </a:spcBef>
+              <a:spcAft>
+                <a:spcPts val="0"/>
+              </a:spcAft>
+              <a:buNone/>
+            </a:pPr>
+            <a:r>
+              <a:rPr lang="en"/>
+              <a:t> The overall analysis proves a negative correlation between daily COVID cases &amp; crimes rates in NYC as a whole. The correlation is seen most strongly in boroughs with high COVID cases. The biggest exception observed in the case of Manhattan which had an outlier around June 1st, could probably be as a result of massive protests during that period leading to more criminal complaints. </a:t>
+            </a:r>
+            <a:endParaRPr/>
+          </a:p>
+          <a:p>
+            <a:pPr indent="0" lvl="0" marL="0" rtl="0" algn="l">
+              <a:spcBef>
+                <a:spcPts val="0"/>
+              </a:spcBef>
+              <a:spcAft>
+                <a:spcPts val="0"/>
+              </a:spcAft>
+              <a:buClr>
+                <a:schemeClr val="dk1"/>
+              </a:buClr>
+              <a:buSzPts val="1100"/>
+              <a:buFont typeface="Arial"/>
+              <a:buNone/>
+            </a:pPr>
+            <a:r>
+              <a:t/>
+            </a:r>
+            <a:endParaRPr/>
+          </a:p>
+          <a:p>
+            <a:pPr indent="0" lvl="0" marL="0" rtl="0" algn="l">
+              <a:spcBef>
+                <a:spcPts val="0"/>
+              </a:spcBef>
+              <a:spcAft>
+                <a:spcPts val="0"/>
+              </a:spcAft>
+              <a:buClr>
+                <a:schemeClr val="dk1"/>
+              </a:buClr>
+              <a:buSzPts val="1100"/>
+              <a:buFont typeface="Arial"/>
+              <a:buNone/>
+            </a:pPr>
+            <a:r>
+              <a:rPr lang="en"/>
+              <a:t>According to our findings, this analysis disproves the hypothesis that the rise in COVID cases caused an increase in crime rate in NYC. Such information is relevant as it could help the police department make an informed decision on where to allocate their resources and staff during these challenging times.</a:t>
+            </a:r>
+            <a:endParaRPr/>
+          </a:p>
+          <a:p>
+            <a:pPr indent="0" lvl="0" marL="0" rtl="0" algn="l">
+              <a:spcBef>
+                <a:spcPts val="0"/>
+              </a:spcBef>
+              <a:spcAft>
+                <a:spcPts val="0"/>
+              </a:spcAft>
+              <a:buNone/>
+            </a:pPr>
+            <a:r>
+              <a:t/>
             </a:r>
             <a:endParaRPr/>
           </a:p>
@@ -16233,7 +18316,7 @@
         </p:spPr>
         <p:txBody>
           <a:bodyPr anchorCtr="0" anchor="t" bIns="91425" lIns="91425" spcFirstLastPara="1" rIns="91425" wrap="square" tIns="91425">
-            <a:normAutofit lnSpcReduction="20000"/>
+            <a:normAutofit/>
           </a:bodyPr>
           <a:lstStyle/>
           <a:p>
@@ -16290,40 +18373,6 @@
             <a:r>
               <a:rPr lang="en" sz="1500"/>
               <a:t>Are the growth in COVID-19 cases correlated with a rise or decrease in crime within the city?</a:t>
-            </a:r>
-            <a:endParaRPr sz="1500"/>
-          </a:p>
-          <a:p>
-            <a:pPr indent="-311150" lvl="1" marL="914400" rtl="0" algn="l">
-              <a:spcBef>
-                <a:spcPts val="0"/>
-              </a:spcBef>
-              <a:spcAft>
-                <a:spcPts val="0"/>
-              </a:spcAft>
-              <a:buSzPts val="1300"/>
-              <a:buChar char="○"/>
-            </a:pPr>
-            <a:r>
-              <a:rPr lang="en" sz="1300"/>
-              <a:t>Did the crime statistics follow the COVID cases geographically?</a:t>
-            </a:r>
-            <a:endParaRPr sz="1300"/>
-          </a:p>
-          <a:p>
-            <a:pPr indent="-311150" lvl="1" marL="914400" rtl="0" algn="l">
-              <a:spcBef>
-                <a:spcPts val="0"/>
-              </a:spcBef>
-              <a:spcAft>
-                <a:spcPts val="0"/>
-              </a:spcAft>
-              <a:buSzPts val="1300"/>
-              <a:buChar char="○"/>
-            </a:pPr>
-            <a:r>
-              <a:rPr lang="en" sz="1300"/>
-              <a:t>Is the correlation stronger in certain NYC boroughs?</a:t>
             </a:r>
             <a:endParaRPr sz="1300"/>
           </a:p>
@@ -16358,31 +18407,6 @@
               <a:rPr lang="en" sz="1500"/>
               <a:t>)?</a:t>
             </a:r>
-            <a:endParaRPr sz="1500"/>
-          </a:p>
-          <a:p>
-            <a:pPr indent="-311150" lvl="1" marL="914400" rtl="0" algn="l">
-              <a:spcBef>
-                <a:spcPts val="0"/>
-              </a:spcBef>
-              <a:spcAft>
-                <a:spcPts val="0"/>
-              </a:spcAft>
-              <a:buSzPts val="1300"/>
-              <a:buChar char="○"/>
-            </a:pPr>
-            <a:r>
-              <a:rPr lang="en" sz="1300"/>
-              <a:t>Did the pandemic affect certain crime </a:t>
-            </a:r>
-            <a:r>
-              <a:rPr lang="en" sz="1300"/>
-              <a:t>statistics</a:t>
-            </a:r>
-            <a:r>
-              <a:rPr lang="en" sz="1300"/>
-              <a:t> more than others?</a:t>
-            </a:r>
             <a:endParaRPr sz="1300"/>
           </a:p>
           <a:p>
@@ -16413,7 +18437,7 @@
         <p:spPr>
           <a:xfrm>
             <a:off x="238300" y="1419950"/>
-            <a:ext cx="8519700" cy="1244400"/>
+            <a:ext cx="8519700" cy="1436100"/>
           </a:xfrm>
           <a:prstGeom prst="roundRect">
             <a:avLst>
@@ -16551,520 +18575,16 @@
               <a:buNone/>
             </a:pPr>
             <a:r>
-              <a:rPr lang="en"/>
-              <a:t>Data Cleaning</a:t>
+              <a:rPr lang="en" sz="3000"/>
+              <a:t>Data Cleaning &amp; Preparation</a:t>
             </a:r>
-            <a:endParaRPr/>
+            <a:endParaRPr sz="3000"/>
           </a:p>
         </p:txBody>
       </p:sp>
       <p:sp>
         <p:nvSpPr>
           <p:cNvPr id="292" name="Google Shape;292;p15"/>
-          <p:cNvSpPr txBox="1"/>
-          <p:nvPr>
-            <p:ph idx="1" type="body"/>
-          </p:nvPr>
-        </p:nvSpPr>
-        <p:spPr>
-          <a:xfrm>
-            <a:off x="208525" y="1381200"/>
-            <a:ext cx="4011000" cy="2699400"/>
-          </a:xfrm>
-          <a:prstGeom prst="rect">
-            <a:avLst/>
-          </a:prstGeom>
-          <a:ln cap="flat" cmpd="sng" w="9525">
-            <a:solidFill>
-              <a:schemeClr val="dk2"/>
-            </a:solidFill>
-            <a:prstDash val="solid"/>
-            <a:round/>
-            <a:headEnd len="sm" w="sm" type="none"/>
-            <a:tailEnd len="sm" w="sm" type="none"/>
-          </a:ln>
-        </p:spPr>
-        <p:txBody>
-          <a:bodyPr anchorCtr="0" anchor="t" bIns="91425" lIns="91425" spcFirstLastPara="1" rIns="91425" wrap="square" tIns="91425">
-            <a:normAutofit lnSpcReduction="10000"/>
-          </a:bodyPr>
-          <a:lstStyle/>
-          <a:p>
-            <a:pPr indent="0" lvl="0" marL="0" rtl="0" algn="l">
-              <a:spcBef>
-                <a:spcPts val="0"/>
-              </a:spcBef>
-              <a:spcAft>
-                <a:spcPts val="0"/>
-              </a:spcAft>
-              <a:buNone/>
-            </a:pPr>
-            <a:r>
-              <a:rPr b="1" lang="en" sz="1400">
-                <a:latin typeface="Arial"/>
-                <a:ea typeface="Arial"/>
-                <a:cs typeface="Arial"/>
-                <a:sym typeface="Arial"/>
-              </a:rPr>
-              <a:t>NYC Crime Data</a:t>
-            </a:r>
-            <a:r>
-              <a:rPr lang="en" sz="1400">
-                <a:latin typeface="Arial"/>
-                <a:ea typeface="Arial"/>
-                <a:cs typeface="Arial"/>
-                <a:sym typeface="Arial"/>
-              </a:rPr>
-              <a:t> </a:t>
-            </a:r>
-            <a:r>
-              <a:rPr lang="en" sz="1400">
-                <a:latin typeface="Arial"/>
-                <a:ea typeface="Arial"/>
-                <a:cs typeface="Arial"/>
-                <a:sym typeface="Arial"/>
-              </a:rPr>
-              <a:t>|</a:t>
-            </a:r>
-            <a:r>
-              <a:rPr b="1" lang="en" sz="1400">
-                <a:latin typeface="Arial"/>
-                <a:ea typeface="Arial"/>
-                <a:cs typeface="Arial"/>
-                <a:sym typeface="Arial"/>
-              </a:rPr>
-              <a:t> </a:t>
-            </a:r>
-            <a:r>
-              <a:rPr lang="en" sz="1500">
-                <a:latin typeface="Arial"/>
-                <a:ea typeface="Arial"/>
-                <a:cs typeface="Arial"/>
-                <a:sym typeface="Arial"/>
-              </a:rPr>
-              <a:t>Contains historic crime complaint data for the city</a:t>
-            </a:r>
-            <a:endParaRPr sz="1500">
-              <a:latin typeface="Arial"/>
-              <a:ea typeface="Arial"/>
-              <a:cs typeface="Arial"/>
-              <a:sym typeface="Arial"/>
-            </a:endParaRPr>
-          </a:p>
-          <a:p>
-            <a:pPr indent="0" lvl="0" marL="0" rtl="0" algn="l">
-              <a:spcBef>
-                <a:spcPts val="0"/>
-              </a:spcBef>
-              <a:spcAft>
-                <a:spcPts val="0"/>
-              </a:spcAft>
-              <a:buNone/>
-            </a:pPr>
-            <a:r>
-              <a:rPr i="1" lang="en" sz="1500">
-                <a:latin typeface="Arial"/>
-                <a:ea typeface="Arial"/>
-                <a:cs typeface="Arial"/>
-                <a:sym typeface="Arial"/>
-              </a:rPr>
-              <a:t>Data from Feb - Sept 2020</a:t>
-            </a:r>
-            <a:endParaRPr i="1" sz="1500">
-              <a:latin typeface="Arial"/>
-              <a:ea typeface="Arial"/>
-              <a:cs typeface="Arial"/>
-              <a:sym typeface="Arial"/>
-            </a:endParaRPr>
-          </a:p>
-          <a:p>
-            <a:pPr indent="0" lvl="0" marL="0" rtl="0" algn="l">
-              <a:spcBef>
-                <a:spcPts val="0"/>
-              </a:spcBef>
-              <a:spcAft>
-                <a:spcPts val="0"/>
-              </a:spcAft>
-              <a:buNone/>
-            </a:pPr>
-            <a:r>
-              <a:t/>
-            </a:r>
-            <a:endParaRPr sz="1400">
-              <a:latin typeface="Arial"/>
-              <a:ea typeface="Arial"/>
-              <a:cs typeface="Arial"/>
-              <a:sym typeface="Arial"/>
-            </a:endParaRPr>
-          </a:p>
-          <a:p>
-            <a:pPr indent="0" lvl="0" marL="0" rtl="0" algn="l">
-              <a:spcBef>
-                <a:spcPts val="0"/>
-              </a:spcBef>
-              <a:spcAft>
-                <a:spcPts val="0"/>
-              </a:spcAft>
-              <a:buNone/>
-            </a:pPr>
-            <a:r>
-              <a:rPr b="1" lang="en" sz="1500">
-                <a:latin typeface="Arial"/>
-                <a:ea typeface="Arial"/>
-                <a:cs typeface="Arial"/>
-                <a:sym typeface="Arial"/>
-              </a:rPr>
-              <a:t>NYC COVID Data</a:t>
-            </a:r>
-            <a:r>
-              <a:rPr lang="en" sz="1500">
-                <a:latin typeface="Arial"/>
-                <a:ea typeface="Arial"/>
-                <a:cs typeface="Arial"/>
-                <a:sym typeface="Arial"/>
-              </a:rPr>
-              <a:t> | Contains case numbers per borough</a:t>
-            </a:r>
-            <a:endParaRPr sz="1500">
-              <a:latin typeface="Arial"/>
-              <a:ea typeface="Arial"/>
-              <a:cs typeface="Arial"/>
-              <a:sym typeface="Arial"/>
-            </a:endParaRPr>
-          </a:p>
-          <a:p>
-            <a:pPr indent="0" lvl="0" marL="0" rtl="0" algn="l">
-              <a:spcBef>
-                <a:spcPts val="0"/>
-              </a:spcBef>
-              <a:spcAft>
-                <a:spcPts val="0"/>
-              </a:spcAft>
-              <a:buNone/>
-            </a:pPr>
-            <a:r>
-              <a:rPr i="1" lang="en" sz="1500">
-                <a:latin typeface="Arial"/>
-                <a:ea typeface="Arial"/>
-                <a:cs typeface="Arial"/>
-                <a:sym typeface="Arial"/>
-              </a:rPr>
-              <a:t>Data for Feb - Sept 2020</a:t>
-            </a:r>
-            <a:endParaRPr i="1" sz="1500">
-              <a:latin typeface="Arial"/>
-              <a:ea typeface="Arial"/>
-              <a:cs typeface="Arial"/>
-              <a:sym typeface="Arial"/>
-            </a:endParaRPr>
-          </a:p>
-          <a:p>
-            <a:pPr indent="0" lvl="0" marL="0" rtl="0" algn="l">
-              <a:spcBef>
-                <a:spcPts val="0"/>
-              </a:spcBef>
-              <a:spcAft>
-                <a:spcPts val="0"/>
-              </a:spcAft>
-              <a:buNone/>
-            </a:pPr>
-            <a:r>
-              <a:t/>
-            </a:r>
-            <a:endParaRPr sz="1500">
-              <a:latin typeface="Arial"/>
-              <a:ea typeface="Arial"/>
-              <a:cs typeface="Arial"/>
-              <a:sym typeface="Arial"/>
-            </a:endParaRPr>
-          </a:p>
-          <a:p>
-            <a:pPr indent="0" lvl="0" marL="0" rtl="0" algn="l">
-              <a:spcBef>
-                <a:spcPts val="0"/>
-              </a:spcBef>
-              <a:spcAft>
-                <a:spcPts val="0"/>
-              </a:spcAft>
-              <a:buNone/>
-            </a:pPr>
-            <a:r>
-              <a:rPr b="1" lang="en" sz="1500">
-                <a:latin typeface="Arial"/>
-                <a:ea typeface="Arial"/>
-                <a:cs typeface="Arial"/>
-                <a:sym typeface="Arial"/>
-              </a:rPr>
-              <a:t>Google Geocode API </a:t>
-            </a:r>
-            <a:r>
-              <a:rPr lang="en" sz="1500">
-                <a:latin typeface="Arial"/>
-                <a:ea typeface="Arial"/>
-                <a:cs typeface="Arial"/>
-                <a:sym typeface="Arial"/>
-              </a:rPr>
-              <a:t>| Returns coordinates for each borough</a:t>
-            </a:r>
-            <a:endParaRPr sz="1500">
-              <a:latin typeface="Arial"/>
-              <a:ea typeface="Arial"/>
-              <a:cs typeface="Arial"/>
-              <a:sym typeface="Arial"/>
-            </a:endParaRPr>
-          </a:p>
-        </p:txBody>
-      </p:sp>
-      <p:sp>
-        <p:nvSpPr>
-          <p:cNvPr id="293" name="Google Shape;293;p15"/>
-          <p:cNvSpPr txBox="1"/>
-          <p:nvPr>
-            <p:ph idx="1" type="body"/>
-          </p:nvPr>
-        </p:nvSpPr>
-        <p:spPr>
-          <a:xfrm>
-            <a:off x="4433275" y="1381200"/>
-            <a:ext cx="4250100" cy="2699400"/>
-          </a:xfrm>
-          <a:prstGeom prst="rect">
-            <a:avLst/>
-          </a:prstGeom>
-          <a:ln cap="flat" cmpd="sng" w="9525">
-            <a:solidFill>
-              <a:srgbClr val="333333"/>
-            </a:solidFill>
-            <a:prstDash val="solid"/>
-            <a:round/>
-            <a:headEnd len="sm" w="sm" type="none"/>
-            <a:tailEnd len="sm" w="sm" type="none"/>
-          </a:ln>
-        </p:spPr>
-        <p:txBody>
-          <a:bodyPr anchorCtr="0" anchor="t" bIns="91425" lIns="91425" spcFirstLastPara="1" rIns="91425" wrap="square" tIns="91425">
-            <a:normAutofit/>
-          </a:bodyPr>
-          <a:lstStyle/>
-          <a:p>
-            <a:pPr indent="0" lvl="0" marL="0" rtl="0" algn="l">
-              <a:spcBef>
-                <a:spcPts val="0"/>
-              </a:spcBef>
-              <a:spcAft>
-                <a:spcPts val="0"/>
-              </a:spcAft>
-              <a:buNone/>
-            </a:pPr>
-            <a:r>
-              <a:rPr b="1" lang="en" sz="1400">
-                <a:latin typeface="Arial"/>
-                <a:ea typeface="Arial"/>
-                <a:cs typeface="Arial"/>
-                <a:sym typeface="Arial"/>
-              </a:rPr>
-              <a:t>Data Cleaning and Preparation</a:t>
-            </a:r>
-            <a:endParaRPr b="1" sz="1400">
-              <a:latin typeface="Arial"/>
-              <a:ea typeface="Arial"/>
-              <a:cs typeface="Arial"/>
-              <a:sym typeface="Arial"/>
-            </a:endParaRPr>
-          </a:p>
-          <a:p>
-            <a:pPr indent="0" lvl="0" marL="0" rtl="0" algn="l">
-              <a:spcBef>
-                <a:spcPts val="0"/>
-              </a:spcBef>
-              <a:spcAft>
-                <a:spcPts val="0"/>
-              </a:spcAft>
-              <a:buNone/>
-            </a:pPr>
-            <a:r>
-              <a:t/>
-            </a:r>
-            <a:endParaRPr b="1" sz="1400">
-              <a:latin typeface="Arial"/>
-              <a:ea typeface="Arial"/>
-              <a:cs typeface="Arial"/>
-              <a:sym typeface="Arial"/>
-            </a:endParaRPr>
-          </a:p>
-          <a:p>
-            <a:pPr indent="-311150" lvl="0" marL="457200" rtl="0" algn="l">
-              <a:spcBef>
-                <a:spcPts val="0"/>
-              </a:spcBef>
-              <a:spcAft>
-                <a:spcPts val="0"/>
-              </a:spcAft>
-              <a:buSzPts val="1300"/>
-              <a:buFont typeface="Arial"/>
-              <a:buAutoNum type="arabicPeriod"/>
-            </a:pPr>
-            <a:r>
-              <a:rPr lang="en">
-                <a:latin typeface="Arial"/>
-                <a:ea typeface="Arial"/>
-                <a:cs typeface="Arial"/>
-                <a:sym typeface="Arial"/>
-              </a:rPr>
-              <a:t>Merge 5 separate CSV files into single file for processing; merge with COVID data file</a:t>
-            </a:r>
-            <a:endParaRPr>
-              <a:latin typeface="Arial"/>
-              <a:ea typeface="Arial"/>
-              <a:cs typeface="Arial"/>
-              <a:sym typeface="Arial"/>
-            </a:endParaRPr>
-          </a:p>
-          <a:p>
-            <a:pPr indent="-311150" lvl="0" marL="457200" rtl="0" algn="l">
-              <a:spcBef>
-                <a:spcPts val="0"/>
-              </a:spcBef>
-              <a:spcAft>
-                <a:spcPts val="0"/>
-              </a:spcAft>
-              <a:buSzPts val="1300"/>
-              <a:buFont typeface="Arial"/>
-              <a:buAutoNum type="arabicPeriod"/>
-            </a:pPr>
-            <a:r>
-              <a:rPr lang="en">
-                <a:latin typeface="Arial"/>
-                <a:ea typeface="Arial"/>
-                <a:cs typeface="Arial"/>
-                <a:sym typeface="Arial"/>
-              </a:rPr>
-              <a:t>Created new DF and dropped unnecessary columns; renamed and reorganized columns</a:t>
-            </a:r>
-            <a:endParaRPr>
-              <a:latin typeface="Arial"/>
-              <a:ea typeface="Arial"/>
-              <a:cs typeface="Arial"/>
-              <a:sym typeface="Arial"/>
-            </a:endParaRPr>
-          </a:p>
-          <a:p>
-            <a:pPr indent="-298450" lvl="1" marL="914400" rtl="0" algn="l">
-              <a:spcBef>
-                <a:spcPts val="0"/>
-              </a:spcBef>
-              <a:spcAft>
-                <a:spcPts val="0"/>
-              </a:spcAft>
-              <a:buSzPts val="1100"/>
-              <a:buFont typeface="Arial"/>
-              <a:buAutoNum type="alphaLcPeriod"/>
-            </a:pPr>
-            <a:r>
-              <a:rPr lang="en">
-                <a:latin typeface="Arial"/>
-                <a:ea typeface="Arial"/>
-                <a:cs typeface="Arial"/>
-                <a:sym typeface="Arial"/>
-              </a:rPr>
-              <a:t>LOC function to align dates across data sources and DFs</a:t>
-            </a:r>
-            <a:endParaRPr>
-              <a:latin typeface="Arial"/>
-              <a:ea typeface="Arial"/>
-              <a:cs typeface="Arial"/>
-              <a:sym typeface="Arial"/>
-            </a:endParaRPr>
-          </a:p>
-          <a:p>
-            <a:pPr indent="-298450" lvl="1" marL="914400" rtl="0" algn="l">
-              <a:spcBef>
-                <a:spcPts val="0"/>
-              </a:spcBef>
-              <a:spcAft>
-                <a:spcPts val="0"/>
-              </a:spcAft>
-              <a:buSzPts val="1100"/>
-              <a:buFont typeface="Arial"/>
-              <a:buAutoNum type="alphaLcPeriod"/>
-            </a:pPr>
-            <a:r>
-              <a:rPr lang="en">
-                <a:latin typeface="Arial"/>
-                <a:ea typeface="Arial"/>
-                <a:cs typeface="Arial"/>
-                <a:sym typeface="Arial"/>
-              </a:rPr>
-              <a:t>Standardized date format in merged DF </a:t>
-            </a:r>
-            <a:endParaRPr>
-              <a:latin typeface="Arial"/>
-              <a:ea typeface="Arial"/>
-              <a:cs typeface="Arial"/>
-              <a:sym typeface="Arial"/>
-            </a:endParaRPr>
-          </a:p>
-          <a:p>
-            <a:pPr indent="-298450" lvl="1" marL="914400" rtl="0" algn="l">
-              <a:spcBef>
-                <a:spcPts val="0"/>
-              </a:spcBef>
-              <a:spcAft>
-                <a:spcPts val="0"/>
-              </a:spcAft>
-              <a:buSzPts val="1100"/>
-              <a:buFont typeface="Arial"/>
-              <a:buAutoNum type="alphaLcPeriod"/>
-            </a:pPr>
-            <a:r>
-              <a:rPr lang="en">
-                <a:latin typeface="Arial"/>
-                <a:ea typeface="Arial"/>
-                <a:cs typeface="Arial"/>
-                <a:sym typeface="Arial"/>
-              </a:rPr>
-              <a:t>Replaced missing data with ‘N/A’</a:t>
-            </a:r>
-            <a:endParaRPr>
-              <a:latin typeface="Arial"/>
-              <a:ea typeface="Arial"/>
-              <a:cs typeface="Arial"/>
-              <a:sym typeface="Arial"/>
-            </a:endParaRPr>
-          </a:p>
-          <a:p>
-            <a:pPr indent="-311150" lvl="0" marL="457200" rtl="0" algn="l">
-              <a:spcBef>
-                <a:spcPts val="0"/>
-              </a:spcBef>
-              <a:spcAft>
-                <a:spcPts val="0"/>
-              </a:spcAft>
-              <a:buSzPts val="1300"/>
-              <a:buFont typeface="Arial"/>
-              <a:buAutoNum type="arabicPeriod"/>
-            </a:pPr>
-            <a:r>
-              <a:rPr lang="en">
-                <a:latin typeface="Arial"/>
-                <a:ea typeface="Arial"/>
-                <a:cs typeface="Arial"/>
-                <a:sym typeface="Arial"/>
-              </a:rPr>
-              <a:t>Create a CSV output of cleaned data</a:t>
-            </a:r>
-            <a:endParaRPr>
-              <a:latin typeface="Arial"/>
-              <a:ea typeface="Arial"/>
-              <a:cs typeface="Arial"/>
-              <a:sym typeface="Arial"/>
-            </a:endParaRPr>
-          </a:p>
-        </p:txBody>
-      </p:sp>
-      <p:sp>
-        <p:nvSpPr>
-          <p:cNvPr id="294" name="Google Shape;294;p15"/>
           <p:cNvSpPr txBox="1"/>
           <p:nvPr/>
         </p:nvSpPr>
@@ -17196,6 +18716,326 @@
           </a:p>
         </p:txBody>
       </p:sp>
+      <p:sp>
+        <p:nvSpPr>
+          <p:cNvPr id="293" name="Google Shape;293;p15"/>
+          <p:cNvSpPr txBox="1"/>
+          <p:nvPr/>
+        </p:nvSpPr>
+        <p:spPr>
+          <a:xfrm>
+            <a:off x="1156650" y="1380350"/>
+            <a:ext cx="6830700" cy="3037800"/>
+          </a:xfrm>
+          <a:prstGeom prst="rect">
+            <a:avLst/>
+          </a:prstGeom>
+          <a:noFill/>
+          <a:ln>
+            <a:noFill/>
+          </a:ln>
+        </p:spPr>
+        <p:txBody>
+          <a:bodyPr anchorCtr="0" anchor="t" bIns="91425" lIns="91425" spcFirstLastPara="1" rIns="91425" wrap="square" tIns="91425">
+            <a:normAutofit/>
+          </a:bodyPr>
+          <a:lstStyle/>
+          <a:p>
+            <a:pPr indent="-387350" lvl="0" marL="457200" rtl="0" algn="l">
+              <a:lnSpc>
+                <a:spcPct val="115000"/>
+              </a:lnSpc>
+              <a:spcBef>
+                <a:spcPts val="0"/>
+              </a:spcBef>
+              <a:spcAft>
+                <a:spcPts val="0"/>
+              </a:spcAft>
+              <a:buClr>
+                <a:srgbClr val="424242"/>
+              </a:buClr>
+              <a:buSzPts val="2500"/>
+              <a:buFont typeface="Nunito"/>
+              <a:buAutoNum type="arabicPeriod"/>
+            </a:pPr>
+            <a:r>
+              <a:rPr lang="en" sz="2500">
+                <a:solidFill>
+                  <a:srgbClr val="424242"/>
+                </a:solidFill>
+                <a:latin typeface="Nunito"/>
+                <a:ea typeface="Nunito"/>
+                <a:cs typeface="Nunito"/>
+                <a:sym typeface="Nunito"/>
+              </a:rPr>
+              <a:t>Merge Crime CSV &amp; COVID data files</a:t>
+            </a:r>
+            <a:endParaRPr sz="2500">
+              <a:solidFill>
+                <a:srgbClr val="424242"/>
+              </a:solidFill>
+              <a:latin typeface="Nunito"/>
+              <a:ea typeface="Nunito"/>
+              <a:cs typeface="Nunito"/>
+              <a:sym typeface="Nunito"/>
+            </a:endParaRPr>
+          </a:p>
+          <a:p>
+            <a:pPr indent="-304285" lvl="0" marL="914400" rtl="0" algn="l">
+              <a:lnSpc>
+                <a:spcPct val="100000"/>
+              </a:lnSpc>
+              <a:spcBef>
+                <a:spcPts val="0"/>
+              </a:spcBef>
+              <a:spcAft>
+                <a:spcPts val="0"/>
+              </a:spcAft>
+              <a:buClr>
+                <a:schemeClr val="dk2"/>
+              </a:buClr>
+              <a:buSzPts val="1192"/>
+              <a:buChar char="●"/>
+            </a:pPr>
+            <a:r>
+              <a:rPr b="1" lang="en" sz="1191">
+                <a:solidFill>
+                  <a:schemeClr val="dk2"/>
+                </a:solidFill>
+              </a:rPr>
+              <a:t>NYC Crime Data</a:t>
+            </a:r>
+            <a:r>
+              <a:rPr lang="en" sz="1191">
+                <a:solidFill>
+                  <a:schemeClr val="dk2"/>
+                </a:solidFill>
+              </a:rPr>
+              <a:t> </a:t>
+            </a:r>
+            <a:r>
+              <a:rPr lang="en" sz="1191">
+                <a:solidFill>
+                  <a:schemeClr val="dk2"/>
+                </a:solidFill>
+              </a:rPr>
+              <a:t>|</a:t>
+            </a:r>
+            <a:r>
+              <a:rPr b="1" lang="en" sz="1191">
+                <a:solidFill>
+                  <a:schemeClr val="dk2"/>
+                </a:solidFill>
+              </a:rPr>
+              <a:t> </a:t>
+            </a:r>
+            <a:r>
+              <a:rPr i="1" lang="en" sz="1191">
+                <a:solidFill>
+                  <a:schemeClr val="dk2"/>
+                </a:solidFill>
+              </a:rPr>
+              <a:t>Data from Feb - Sept 2020</a:t>
+            </a:r>
+            <a:br>
+              <a:rPr i="1" lang="en" sz="1191">
+                <a:solidFill>
+                  <a:schemeClr val="dk2"/>
+                </a:solidFill>
+              </a:rPr>
+            </a:br>
+            <a:endParaRPr sz="1191">
+              <a:solidFill>
+                <a:schemeClr val="dk2"/>
+              </a:solidFill>
+            </a:endParaRPr>
+          </a:p>
+          <a:p>
+            <a:pPr indent="-304285" lvl="0" marL="914400" rtl="0" algn="l">
+              <a:lnSpc>
+                <a:spcPct val="100000"/>
+              </a:lnSpc>
+              <a:spcBef>
+                <a:spcPts val="0"/>
+              </a:spcBef>
+              <a:spcAft>
+                <a:spcPts val="0"/>
+              </a:spcAft>
+              <a:buClr>
+                <a:schemeClr val="dk2"/>
+              </a:buClr>
+              <a:buSzPts val="1192"/>
+              <a:buChar char="●"/>
+            </a:pPr>
+            <a:r>
+              <a:rPr b="1" lang="en" sz="1191">
+                <a:solidFill>
+                  <a:schemeClr val="dk2"/>
+                </a:solidFill>
+              </a:rPr>
+              <a:t>NYC COVID Data</a:t>
+            </a:r>
+            <a:r>
+              <a:rPr lang="en" sz="1191">
+                <a:solidFill>
+                  <a:schemeClr val="dk2"/>
+                </a:solidFill>
+              </a:rPr>
+              <a:t> | </a:t>
+            </a:r>
+            <a:r>
+              <a:rPr i="1" lang="en" sz="1191">
+                <a:solidFill>
+                  <a:schemeClr val="dk2"/>
+                </a:solidFill>
+              </a:rPr>
+              <a:t>Data for Feb - Sept 2020</a:t>
+            </a:r>
+            <a:br>
+              <a:rPr i="1" lang="en" sz="1191">
+                <a:solidFill>
+                  <a:schemeClr val="dk2"/>
+                </a:solidFill>
+              </a:rPr>
+            </a:br>
+            <a:endParaRPr i="1" sz="1191">
+              <a:solidFill>
+                <a:schemeClr val="dk2"/>
+              </a:solidFill>
+            </a:endParaRPr>
+          </a:p>
+          <a:p>
+            <a:pPr indent="-310635" lvl="0" marL="914400" rtl="0" algn="l">
+              <a:lnSpc>
+                <a:spcPct val="100000"/>
+              </a:lnSpc>
+              <a:spcBef>
+                <a:spcPts val="0"/>
+              </a:spcBef>
+              <a:spcAft>
+                <a:spcPts val="0"/>
+              </a:spcAft>
+              <a:buClr>
+                <a:schemeClr val="dk2"/>
+              </a:buClr>
+              <a:buSzPts val="1292"/>
+              <a:buChar char="●"/>
+            </a:pPr>
+            <a:r>
+              <a:rPr b="1" lang="en" sz="1191">
+                <a:solidFill>
+                  <a:schemeClr val="dk2"/>
+                </a:solidFill>
+              </a:rPr>
+              <a:t>Google Geocode API </a:t>
+            </a:r>
+            <a:r>
+              <a:rPr lang="en" sz="1191">
+                <a:solidFill>
+                  <a:schemeClr val="dk2"/>
+                </a:solidFill>
+              </a:rPr>
+              <a:t>| Returns coordinates for each borough</a:t>
+            </a:r>
+            <a:br>
+              <a:rPr lang="en" sz="1291">
+                <a:solidFill>
+                  <a:schemeClr val="dk2"/>
+                </a:solidFill>
+              </a:rPr>
+            </a:br>
+            <a:endParaRPr sz="1291">
+              <a:solidFill>
+                <a:srgbClr val="424242"/>
+              </a:solidFill>
+              <a:latin typeface="Nunito"/>
+              <a:ea typeface="Nunito"/>
+              <a:cs typeface="Nunito"/>
+              <a:sym typeface="Nunito"/>
+            </a:endParaRPr>
+          </a:p>
+          <a:p>
+            <a:pPr indent="-387350" lvl="0" marL="457200" rtl="0" algn="l">
+              <a:lnSpc>
+                <a:spcPct val="115000"/>
+              </a:lnSpc>
+              <a:spcBef>
+                <a:spcPts val="0"/>
+              </a:spcBef>
+              <a:spcAft>
+                <a:spcPts val="0"/>
+              </a:spcAft>
+              <a:buClr>
+                <a:srgbClr val="424242"/>
+              </a:buClr>
+              <a:buSzPts val="2500"/>
+              <a:buFont typeface="Nunito"/>
+              <a:buAutoNum type="arabicPeriod"/>
+            </a:pPr>
+            <a:r>
+              <a:rPr lang="en" sz="2500">
+                <a:solidFill>
+                  <a:srgbClr val="424242"/>
+                </a:solidFill>
+                <a:latin typeface="Nunito"/>
+                <a:ea typeface="Nunito"/>
+                <a:cs typeface="Nunito"/>
+                <a:sym typeface="Nunito"/>
+              </a:rPr>
+              <a:t>Created new DF and reorganized columns</a:t>
+            </a:r>
+            <a:endParaRPr sz="2500">
+              <a:solidFill>
+                <a:srgbClr val="424242"/>
+              </a:solidFill>
+              <a:latin typeface="Nunito"/>
+              <a:ea typeface="Nunito"/>
+              <a:cs typeface="Nunito"/>
+              <a:sym typeface="Nunito"/>
+            </a:endParaRPr>
+          </a:p>
+          <a:p>
+            <a:pPr indent="-387350" lvl="0" marL="457200" rtl="0" algn="l">
+              <a:lnSpc>
+                <a:spcPct val="115000"/>
+              </a:lnSpc>
+              <a:spcBef>
+                <a:spcPts val="0"/>
+              </a:spcBef>
+              <a:spcAft>
+                <a:spcPts val="0"/>
+              </a:spcAft>
+              <a:buClr>
+                <a:srgbClr val="424242"/>
+              </a:buClr>
+              <a:buSzPts val="2500"/>
+              <a:buFont typeface="Nunito"/>
+              <a:buAutoNum type="arabicPeriod"/>
+            </a:pPr>
+            <a:r>
+              <a:rPr lang="en" sz="2500">
+                <a:solidFill>
+                  <a:srgbClr val="424242"/>
+                </a:solidFill>
+                <a:latin typeface="Nunito"/>
+                <a:ea typeface="Nunito"/>
+                <a:cs typeface="Nunito"/>
+                <a:sym typeface="Nunito"/>
+              </a:rPr>
+              <a:t>Create a CSV output of cleaned data</a:t>
+            </a:r>
+            <a:endParaRPr sz="2500">
+              <a:solidFill>
+                <a:srgbClr val="424242"/>
+              </a:solidFill>
+              <a:latin typeface="Nunito"/>
+              <a:ea typeface="Nunito"/>
+              <a:cs typeface="Nunito"/>
+              <a:sym typeface="Nunito"/>
+            </a:endParaRPr>
+          </a:p>
+        </p:txBody>
+      </p:sp>
     </p:spTree>
   </p:cSld>
   <p:clrMapOvr>
@@ -17209,7 +19049,7 @@
   <p:cSld>
     <p:spTree>
       <p:nvGrpSpPr>
-        <p:cNvPr id="298" name="Shape 298"/>
+        <p:cNvPr id="297" name="Shape 297"/>
         <p:cNvGrpSpPr/>
         <p:nvPr/>
       </p:nvGrpSpPr>
@@ -17223,7 +19063,7 @@
       </p:grpSpPr>
       <p:sp>
         <p:nvSpPr>
-          <p:cNvPr id="299" name="Google Shape;299;p16"/>
+          <p:cNvPr id="298" name="Google Shape;298;p16"/>
           <p:cNvSpPr txBox="1"/>
           <p:nvPr>
             <p:ph type="title"/>
@@ -17263,10 +19103,10 @@
       </p:sp>
       <p:cxnSp>
         <p:nvCxnSpPr>
-          <p:cNvPr id="300" name="Google Shape;300;p16"/>
+          <p:cNvPr id="299" name="Google Shape;299;p16"/>
           <p:cNvCxnSpPr>
-            <a:stCxn id="301" idx="2"/>
-            <a:endCxn id="302" idx="1"/>
+            <a:stCxn id="300" idx="2"/>
+            <a:endCxn id="301" idx="1"/>
           </p:cNvCxnSpPr>
           <p:nvPr/>
         </p:nvCxnSpPr>
@@ -17294,10 +19134,10 @@
       </p:cxnSp>
       <p:cxnSp>
         <p:nvCxnSpPr>
-          <p:cNvPr id="303" name="Google Shape;303;p16"/>
+          <p:cNvPr id="302" name="Google Shape;302;p16"/>
           <p:cNvCxnSpPr>
-            <a:stCxn id="301" idx="2"/>
-            <a:endCxn id="304" idx="1"/>
+            <a:stCxn id="300" idx="2"/>
+            <a:endCxn id="303" idx="1"/>
           </p:cNvCxnSpPr>
           <p:nvPr/>
         </p:nvCxnSpPr>
@@ -17325,7 +19165,7 @@
       </p:cxnSp>
       <p:sp>
         <p:nvSpPr>
-          <p:cNvPr id="301" name="Google Shape;301;p16"/>
+          <p:cNvPr id="300" name="Google Shape;300;p16"/>
           <p:cNvSpPr/>
           <p:nvPr/>
         </p:nvSpPr>
@@ -17366,10 +19206,10 @@
                 <a:solidFill>
                   <a:srgbClr val="FFFFFF"/>
                 </a:solidFill>
-                <a:latin typeface="Roboto"/>
-                <a:ea typeface="Roboto"/>
-                <a:cs typeface="Roboto"/>
-                <a:sym typeface="Roboto"/>
+                <a:latin typeface="Nunito"/>
+                <a:ea typeface="Nunito"/>
+                <a:cs typeface="Nunito"/>
+                <a:sym typeface="Nunito"/>
               </a:rPr>
               <a:t>Merged Dataset of COVID and Crime Statistics</a:t>
             </a:r>
@@ -17377,17 +19217,17 @@
               <a:solidFill>
                 <a:srgbClr val="FFFFFF"/>
               </a:solidFill>
-              <a:latin typeface="Roboto"/>
-              <a:ea typeface="Roboto"/>
-              <a:cs typeface="Roboto"/>
-              <a:sym typeface="Roboto"/>
+              <a:latin typeface="Nunito"/>
+              <a:ea typeface="Nunito"/>
+              <a:cs typeface="Nunito"/>
+              <a:sym typeface="Nunito"/>
             </a:endParaRPr>
           </a:p>
         </p:txBody>
       </p:sp>
       <p:sp>
         <p:nvSpPr>
-          <p:cNvPr id="304" name="Google Shape;304;p16"/>
+          <p:cNvPr id="303" name="Google Shape;303;p16"/>
           <p:cNvSpPr/>
           <p:nvPr/>
         </p:nvSpPr>
@@ -17428,10 +19268,10 @@
                 <a:solidFill>
                   <a:srgbClr val="FFFFFF"/>
                 </a:solidFill>
-                <a:latin typeface="Roboto"/>
-                <a:ea typeface="Roboto"/>
-                <a:cs typeface="Roboto"/>
-                <a:sym typeface="Roboto"/>
+                <a:latin typeface="Nunito"/>
+                <a:ea typeface="Nunito"/>
+                <a:cs typeface="Nunito"/>
+                <a:sym typeface="Nunito"/>
               </a:rPr>
               <a:t>Per Borough</a:t>
             </a:r>
@@ -17439,17 +19279,17 @@
               <a:solidFill>
                 <a:srgbClr val="FFFFFF"/>
               </a:solidFill>
-              <a:latin typeface="Roboto"/>
-              <a:ea typeface="Roboto"/>
-              <a:cs typeface="Roboto"/>
-              <a:sym typeface="Roboto"/>
+              <a:latin typeface="Nunito"/>
+              <a:ea typeface="Nunito"/>
+              <a:cs typeface="Nunito"/>
+              <a:sym typeface="Nunito"/>
             </a:endParaRPr>
           </a:p>
         </p:txBody>
       </p:sp>
       <p:sp>
         <p:nvSpPr>
-          <p:cNvPr id="302" name="Google Shape;302;p16"/>
+          <p:cNvPr id="301" name="Google Shape;301;p16"/>
           <p:cNvSpPr/>
           <p:nvPr/>
         </p:nvSpPr>
@@ -17490,10 +19330,10 @@
                 <a:solidFill>
                   <a:srgbClr val="FFFFFF"/>
                 </a:solidFill>
-                <a:latin typeface="Roboto"/>
-                <a:ea typeface="Roboto"/>
-                <a:cs typeface="Roboto"/>
-                <a:sym typeface="Roboto"/>
+                <a:latin typeface="Nunito"/>
+                <a:ea typeface="Nunito"/>
+                <a:cs typeface="Nunito"/>
+                <a:sym typeface="Nunito"/>
               </a:rPr>
               <a:t>Overall Crime</a:t>
             </a:r>
@@ -17501,17 +19341,17 @@
               <a:solidFill>
                 <a:srgbClr val="FFFFFF"/>
               </a:solidFill>
-              <a:latin typeface="Roboto"/>
-              <a:ea typeface="Roboto"/>
-              <a:cs typeface="Roboto"/>
-              <a:sym typeface="Roboto"/>
+              <a:latin typeface="Nunito"/>
+              <a:ea typeface="Nunito"/>
+              <a:cs typeface="Nunito"/>
+              <a:sym typeface="Nunito"/>
             </a:endParaRPr>
           </a:p>
         </p:txBody>
       </p:sp>
       <p:sp>
         <p:nvSpPr>
-          <p:cNvPr id="305" name="Google Shape;305;p16"/>
+          <p:cNvPr id="304" name="Google Shape;304;p16"/>
           <p:cNvSpPr/>
           <p:nvPr/>
         </p:nvSpPr>
@@ -17552,10 +19392,10 @@
                 <a:solidFill>
                   <a:srgbClr val="FFFFFF"/>
                 </a:solidFill>
-                <a:latin typeface="Roboto"/>
-                <a:ea typeface="Roboto"/>
-                <a:cs typeface="Roboto"/>
-                <a:sym typeface="Roboto"/>
+                <a:latin typeface="Nunito"/>
+                <a:ea typeface="Nunito"/>
+                <a:cs typeface="Nunito"/>
+                <a:sym typeface="Nunito"/>
               </a:rPr>
               <a:t>Covid Case Count</a:t>
             </a:r>
@@ -17563,17 +19403,17 @@
               <a:solidFill>
                 <a:srgbClr val="FFFFFF"/>
               </a:solidFill>
-              <a:latin typeface="Roboto"/>
-              <a:ea typeface="Roboto"/>
-              <a:cs typeface="Roboto"/>
-              <a:sym typeface="Roboto"/>
+              <a:latin typeface="Nunito"/>
+              <a:ea typeface="Nunito"/>
+              <a:cs typeface="Nunito"/>
+              <a:sym typeface="Nunito"/>
             </a:endParaRPr>
           </a:p>
         </p:txBody>
       </p:sp>
       <p:sp>
         <p:nvSpPr>
-          <p:cNvPr id="306" name="Google Shape;306;p16"/>
+          <p:cNvPr id="305" name="Google Shape;305;p16"/>
           <p:cNvSpPr/>
           <p:nvPr/>
         </p:nvSpPr>
@@ -17614,10 +19454,10 @@
                 <a:solidFill>
                   <a:srgbClr val="FFFFFF"/>
                 </a:solidFill>
-                <a:latin typeface="Roboto"/>
-                <a:ea typeface="Roboto"/>
-                <a:cs typeface="Roboto"/>
-                <a:sym typeface="Roboto"/>
+                <a:latin typeface="Nunito"/>
+                <a:ea typeface="Nunito"/>
+                <a:cs typeface="Nunito"/>
+                <a:sym typeface="Nunito"/>
               </a:rPr>
               <a:t>Crime Complaints</a:t>
             </a:r>
@@ -17625,17 +19465,17 @@
               <a:solidFill>
                 <a:srgbClr val="FFFFFF"/>
               </a:solidFill>
-              <a:latin typeface="Roboto"/>
-              <a:ea typeface="Roboto"/>
-              <a:cs typeface="Roboto"/>
-              <a:sym typeface="Roboto"/>
+              <a:latin typeface="Nunito"/>
+              <a:ea typeface="Nunito"/>
+              <a:cs typeface="Nunito"/>
+              <a:sym typeface="Nunito"/>
             </a:endParaRPr>
           </a:p>
         </p:txBody>
       </p:sp>
       <p:sp>
         <p:nvSpPr>
-          <p:cNvPr id="307" name="Google Shape;307;p16"/>
+          <p:cNvPr id="306" name="Google Shape;306;p16"/>
           <p:cNvSpPr/>
           <p:nvPr/>
         </p:nvSpPr>
@@ -17676,10 +19516,10 @@
                 <a:solidFill>
                   <a:srgbClr val="FFFFFF"/>
                 </a:solidFill>
-                <a:latin typeface="Roboto"/>
-                <a:ea typeface="Roboto"/>
-                <a:cs typeface="Roboto"/>
-                <a:sym typeface="Roboto"/>
+                <a:latin typeface="Nunito"/>
+                <a:ea typeface="Nunito"/>
+                <a:cs typeface="Nunito"/>
+                <a:sym typeface="Nunito"/>
               </a:rPr>
               <a:t>Type of Crime</a:t>
             </a:r>
@@ -17687,20 +19527,20 @@
               <a:solidFill>
                 <a:srgbClr val="FFFFFF"/>
               </a:solidFill>
-              <a:latin typeface="Roboto"/>
-              <a:ea typeface="Roboto"/>
-              <a:cs typeface="Roboto"/>
-              <a:sym typeface="Roboto"/>
+              <a:latin typeface="Nunito"/>
+              <a:ea typeface="Nunito"/>
+              <a:cs typeface="Nunito"/>
+              <a:sym typeface="Nunito"/>
             </a:endParaRPr>
           </a:p>
         </p:txBody>
       </p:sp>
       <p:cxnSp>
         <p:nvCxnSpPr>
-          <p:cNvPr id="308" name="Google Shape;308;p16"/>
+          <p:cNvPr id="307" name="Google Shape;307;p16"/>
           <p:cNvCxnSpPr>
-            <a:stCxn id="309" idx="3"/>
-            <a:endCxn id="305" idx="1"/>
+            <a:stCxn id="308" idx="3"/>
+            <a:endCxn id="304" idx="1"/>
           </p:cNvCxnSpPr>
           <p:nvPr/>
         </p:nvCxnSpPr>
@@ -17728,10 +19568,10 @@
       </p:cxnSp>
       <p:cxnSp>
         <p:nvCxnSpPr>
-          <p:cNvPr id="310" name="Google Shape;310;p16"/>
+          <p:cNvPr id="309" name="Google Shape;309;p16"/>
           <p:cNvCxnSpPr>
-            <a:stCxn id="309" idx="3"/>
-            <a:endCxn id="306" idx="1"/>
+            <a:stCxn id="308" idx="3"/>
+            <a:endCxn id="305" idx="1"/>
           </p:cNvCxnSpPr>
           <p:nvPr/>
         </p:nvCxnSpPr>
@@ -17759,10 +19599,10 @@
       </p:cxnSp>
       <p:cxnSp>
         <p:nvCxnSpPr>
-          <p:cNvPr id="311" name="Google Shape;311;p16"/>
+          <p:cNvPr id="310" name="Google Shape;310;p16"/>
           <p:cNvCxnSpPr>
-            <a:stCxn id="307" idx="1"/>
-            <a:endCxn id="302" idx="3"/>
+            <a:stCxn id="306" idx="1"/>
+            <a:endCxn id="301" idx="3"/>
           </p:cNvCxnSpPr>
           <p:nvPr/>
         </p:nvCxnSpPr>
@@ -17790,7 +19630,7 @@
       </p:cxnSp>
       <p:sp>
         <p:nvSpPr>
-          <p:cNvPr id="312" name="Google Shape;312;p16"/>
+          <p:cNvPr id="311" name="Google Shape;311;p16"/>
           <p:cNvSpPr/>
           <p:nvPr/>
         </p:nvSpPr>
@@ -17831,10 +19671,10 @@
                 <a:solidFill>
                   <a:srgbClr val="FFFFFF"/>
                 </a:solidFill>
-                <a:latin typeface="Roboto"/>
-                <a:ea typeface="Roboto"/>
-                <a:cs typeface="Roboto"/>
-                <a:sym typeface="Roboto"/>
+                <a:latin typeface="Nunito"/>
+                <a:ea typeface="Nunito"/>
+                <a:cs typeface="Nunito"/>
+                <a:sym typeface="Nunito"/>
               </a:rPr>
               <a:t>Daily Crime vs </a:t>
             </a:r>
@@ -17842,10 +19682,10 @@
               <a:solidFill>
                 <a:srgbClr val="FFFFFF"/>
               </a:solidFill>
-              <a:latin typeface="Roboto"/>
-              <a:ea typeface="Roboto"/>
-              <a:cs typeface="Roboto"/>
-              <a:sym typeface="Roboto"/>
+              <a:latin typeface="Nunito"/>
+              <a:ea typeface="Nunito"/>
+              <a:cs typeface="Nunito"/>
+              <a:sym typeface="Nunito"/>
             </a:endParaRPr>
           </a:p>
           <a:p>
@@ -17863,10 +19703,10 @@
                 <a:solidFill>
                   <a:srgbClr val="FFFFFF"/>
                 </a:solidFill>
-                <a:latin typeface="Roboto"/>
-                <a:ea typeface="Roboto"/>
-                <a:cs typeface="Roboto"/>
-                <a:sym typeface="Roboto"/>
+                <a:latin typeface="Nunito"/>
+                <a:ea typeface="Nunito"/>
+                <a:cs typeface="Nunito"/>
+                <a:sym typeface="Nunito"/>
               </a:rPr>
               <a:t>Daily Covid</a:t>
             </a:r>
@@ -17874,20 +19714,20 @@
               <a:solidFill>
                 <a:srgbClr val="FFFFFF"/>
               </a:solidFill>
-              <a:latin typeface="Roboto"/>
-              <a:ea typeface="Roboto"/>
-              <a:cs typeface="Roboto"/>
-              <a:sym typeface="Roboto"/>
+              <a:latin typeface="Nunito"/>
+              <a:ea typeface="Nunito"/>
+              <a:cs typeface="Nunito"/>
+              <a:sym typeface="Nunito"/>
             </a:endParaRPr>
           </a:p>
         </p:txBody>
       </p:sp>
       <p:cxnSp>
         <p:nvCxnSpPr>
-          <p:cNvPr id="313" name="Google Shape;313;p16"/>
+          <p:cNvPr id="312" name="Google Shape;312;p16"/>
           <p:cNvCxnSpPr>
-            <a:stCxn id="305" idx="3"/>
-            <a:endCxn id="312" idx="1"/>
+            <a:stCxn id="304" idx="3"/>
+            <a:endCxn id="311" idx="1"/>
           </p:cNvCxnSpPr>
           <p:nvPr/>
         </p:nvCxnSpPr>
@@ -17915,7 +19755,7 @@
       </p:cxnSp>
       <p:sp>
         <p:nvSpPr>
-          <p:cNvPr id="314" name="Google Shape;314;p16"/>
+          <p:cNvPr id="313" name="Google Shape;313;p16"/>
           <p:cNvSpPr/>
           <p:nvPr/>
         </p:nvSpPr>
@@ -17956,10 +19796,10 @@
                 <a:solidFill>
                   <a:srgbClr val="FFFFFF"/>
                 </a:solidFill>
-                <a:latin typeface="Roboto"/>
-                <a:ea typeface="Roboto"/>
-                <a:cs typeface="Roboto"/>
-                <a:sym typeface="Roboto"/>
+                <a:latin typeface="Nunito"/>
+                <a:ea typeface="Nunito"/>
+                <a:cs typeface="Nunito"/>
+                <a:sym typeface="Nunito"/>
               </a:rPr>
               <a:t>Demographic</a:t>
             </a:r>
@@ -17967,20 +19807,20 @@
               <a:solidFill>
                 <a:srgbClr val="FFFFFF"/>
               </a:solidFill>
-              <a:latin typeface="Roboto"/>
-              <a:ea typeface="Roboto"/>
-              <a:cs typeface="Roboto"/>
-              <a:sym typeface="Roboto"/>
+              <a:latin typeface="Nunito"/>
+              <a:ea typeface="Nunito"/>
+              <a:cs typeface="Nunito"/>
+              <a:sym typeface="Nunito"/>
             </a:endParaRPr>
           </a:p>
         </p:txBody>
       </p:sp>
       <p:cxnSp>
         <p:nvCxnSpPr>
-          <p:cNvPr id="315" name="Google Shape;315;p16"/>
+          <p:cNvPr id="314" name="Google Shape;314;p16"/>
           <p:cNvCxnSpPr>
-            <a:stCxn id="314" idx="1"/>
-            <a:endCxn id="302" idx="3"/>
+            <a:stCxn id="313" idx="1"/>
+            <a:endCxn id="301" idx="3"/>
           </p:cNvCxnSpPr>
           <p:nvPr/>
         </p:nvCxnSpPr>
@@ -18008,7 +19848,7 @@
       </p:cxnSp>
       <p:sp>
         <p:nvSpPr>
-          <p:cNvPr id="309" name="Google Shape;309;p16"/>
+          <p:cNvPr id="308" name="Google Shape;308;p16"/>
           <p:cNvSpPr/>
           <p:nvPr/>
         </p:nvSpPr>
@@ -18049,10 +19889,10 @@
                 <a:solidFill>
                   <a:srgbClr val="FFFFFF"/>
                 </a:solidFill>
-                <a:latin typeface="Roboto"/>
-                <a:ea typeface="Roboto"/>
-                <a:cs typeface="Roboto"/>
-                <a:sym typeface="Roboto"/>
+                <a:latin typeface="Nunito"/>
+                <a:ea typeface="Nunito"/>
+                <a:cs typeface="Nunito"/>
+                <a:sym typeface="Nunito"/>
               </a:rPr>
               <a:t>Per Day</a:t>
             </a:r>
@@ -18060,20 +19900,20 @@
               <a:solidFill>
                 <a:srgbClr val="FFFFFF"/>
               </a:solidFill>
-              <a:latin typeface="Roboto"/>
-              <a:ea typeface="Roboto"/>
-              <a:cs typeface="Roboto"/>
-              <a:sym typeface="Roboto"/>
+              <a:latin typeface="Nunito"/>
+              <a:ea typeface="Nunito"/>
+              <a:cs typeface="Nunito"/>
+              <a:sym typeface="Nunito"/>
             </a:endParaRPr>
           </a:p>
         </p:txBody>
       </p:sp>
       <p:cxnSp>
         <p:nvCxnSpPr>
-          <p:cNvPr id="316" name="Google Shape;316;p16"/>
+          <p:cNvPr id="315" name="Google Shape;315;p16"/>
           <p:cNvCxnSpPr>
-            <a:stCxn id="301" idx="2"/>
-            <a:endCxn id="309" idx="1"/>
+            <a:stCxn id="300" idx="2"/>
+            <a:endCxn id="308" idx="1"/>
           </p:cNvCxnSpPr>
           <p:nvPr/>
         </p:nvCxnSpPr>
@@ -18101,7 +19941,7 @@
       </p:cxnSp>
       <p:sp>
         <p:nvSpPr>
-          <p:cNvPr id="317" name="Google Shape;317;p16"/>
+          <p:cNvPr id="316" name="Google Shape;316;p16"/>
           <p:cNvSpPr/>
           <p:nvPr/>
         </p:nvSpPr>
@@ -18142,10 +19982,10 @@
                 <a:solidFill>
                   <a:srgbClr val="FFFFFF"/>
                 </a:solidFill>
-                <a:latin typeface="Roboto"/>
-                <a:ea typeface="Roboto"/>
-                <a:cs typeface="Roboto"/>
-                <a:sym typeface="Roboto"/>
+                <a:latin typeface="Nunito"/>
+                <a:ea typeface="Nunito"/>
+                <a:cs typeface="Nunito"/>
+                <a:sym typeface="Nunito"/>
               </a:rPr>
               <a:t>Covid Case Count</a:t>
             </a:r>
@@ -18153,17 +19993,17 @@
               <a:solidFill>
                 <a:srgbClr val="FFFFFF"/>
               </a:solidFill>
-              <a:latin typeface="Roboto"/>
-              <a:ea typeface="Roboto"/>
-              <a:cs typeface="Roboto"/>
-              <a:sym typeface="Roboto"/>
+              <a:latin typeface="Nunito"/>
+              <a:ea typeface="Nunito"/>
+              <a:cs typeface="Nunito"/>
+              <a:sym typeface="Nunito"/>
             </a:endParaRPr>
           </a:p>
         </p:txBody>
       </p:sp>
       <p:sp>
         <p:nvSpPr>
-          <p:cNvPr id="318" name="Google Shape;318;p16"/>
+          <p:cNvPr id="317" name="Google Shape;317;p16"/>
           <p:cNvSpPr/>
           <p:nvPr/>
         </p:nvSpPr>
@@ -18204,10 +20044,10 @@
                 <a:solidFill>
                   <a:srgbClr val="FFFFFF"/>
                 </a:solidFill>
-                <a:latin typeface="Roboto"/>
-                <a:ea typeface="Roboto"/>
-                <a:cs typeface="Roboto"/>
-                <a:sym typeface="Roboto"/>
+                <a:latin typeface="Nunito"/>
+                <a:ea typeface="Nunito"/>
+                <a:cs typeface="Nunito"/>
+                <a:sym typeface="Nunito"/>
               </a:rPr>
               <a:t>Crime Complaints</a:t>
             </a:r>
@@ -18215,20 +20055,20 @@
               <a:solidFill>
                 <a:srgbClr val="FFFFFF"/>
               </a:solidFill>
-              <a:latin typeface="Roboto"/>
-              <a:ea typeface="Roboto"/>
-              <a:cs typeface="Roboto"/>
-              <a:sym typeface="Roboto"/>
+              <a:latin typeface="Nunito"/>
+              <a:ea typeface="Nunito"/>
+              <a:cs typeface="Nunito"/>
+              <a:sym typeface="Nunito"/>
             </a:endParaRPr>
           </a:p>
         </p:txBody>
       </p:sp>
       <p:cxnSp>
         <p:nvCxnSpPr>
-          <p:cNvPr id="319" name="Google Shape;319;p16"/>
+          <p:cNvPr id="318" name="Google Shape;318;p16"/>
           <p:cNvCxnSpPr>
-            <a:stCxn id="304" idx="3"/>
-            <a:endCxn id="317" idx="1"/>
+            <a:stCxn id="303" idx="3"/>
+            <a:endCxn id="316" idx="1"/>
           </p:cNvCxnSpPr>
           <p:nvPr/>
         </p:nvCxnSpPr>
@@ -18256,10 +20096,10 @@
       </p:cxnSp>
       <p:cxnSp>
         <p:nvCxnSpPr>
-          <p:cNvPr id="320" name="Google Shape;320;p16"/>
+          <p:cNvPr id="319" name="Google Shape;319;p16"/>
           <p:cNvCxnSpPr>
-            <a:stCxn id="304" idx="3"/>
-            <a:endCxn id="318" idx="1"/>
+            <a:stCxn id="303" idx="3"/>
+            <a:endCxn id="317" idx="1"/>
           </p:cNvCxnSpPr>
           <p:nvPr/>
         </p:nvCxnSpPr>
@@ -18287,7 +20127,7 @@
       </p:cxnSp>
       <p:sp>
         <p:nvSpPr>
-          <p:cNvPr id="321" name="Google Shape;321;p16"/>
+          <p:cNvPr id="320" name="Google Shape;320;p16"/>
           <p:cNvSpPr/>
           <p:nvPr/>
         </p:nvSpPr>
@@ -18328,10 +20168,10 @@
                 <a:solidFill>
                   <a:srgbClr val="FFFFFF"/>
                 </a:solidFill>
-                <a:latin typeface="Roboto"/>
-                <a:ea typeface="Roboto"/>
-                <a:cs typeface="Roboto"/>
-                <a:sym typeface="Roboto"/>
+                <a:latin typeface="Nunito"/>
+                <a:ea typeface="Nunito"/>
+                <a:cs typeface="Nunito"/>
+                <a:sym typeface="Nunito"/>
               </a:rPr>
               <a:t>Suspect Race</a:t>
             </a:r>
@@ -18339,20 +20179,20 @@
               <a:solidFill>
                 <a:srgbClr val="FFFFFF"/>
               </a:solidFill>
-              <a:latin typeface="Roboto"/>
-              <a:ea typeface="Roboto"/>
-              <a:cs typeface="Roboto"/>
-              <a:sym typeface="Roboto"/>
+              <a:latin typeface="Nunito"/>
+              <a:ea typeface="Nunito"/>
+              <a:cs typeface="Nunito"/>
+              <a:sym typeface="Nunito"/>
             </a:endParaRPr>
           </a:p>
         </p:txBody>
       </p:sp>
       <p:cxnSp>
         <p:nvCxnSpPr>
-          <p:cNvPr id="322" name="Google Shape;322;p16"/>
+          <p:cNvPr id="321" name="Google Shape;321;p16"/>
           <p:cNvCxnSpPr>
-            <a:stCxn id="321" idx="1"/>
-            <a:endCxn id="314" idx="3"/>
+            <a:stCxn id="320" idx="1"/>
+            <a:endCxn id="313" idx="3"/>
           </p:cNvCxnSpPr>
           <p:nvPr/>
         </p:nvCxnSpPr>
@@ -18380,7 +20220,7 @@
       </p:cxnSp>
       <p:sp>
         <p:nvSpPr>
-          <p:cNvPr id="323" name="Google Shape;323;p16"/>
+          <p:cNvPr id="322" name="Google Shape;322;p16"/>
           <p:cNvSpPr/>
           <p:nvPr/>
         </p:nvSpPr>
@@ -18421,10 +20261,10 @@
                 <a:solidFill>
                   <a:srgbClr val="FFFFFF"/>
                 </a:solidFill>
-                <a:latin typeface="Roboto"/>
-                <a:ea typeface="Roboto"/>
-                <a:cs typeface="Roboto"/>
-                <a:sym typeface="Roboto"/>
+                <a:latin typeface="Nunito"/>
+                <a:ea typeface="Nunito"/>
+                <a:cs typeface="Nunito"/>
+                <a:sym typeface="Nunito"/>
               </a:rPr>
               <a:t>Suspect Age</a:t>
             </a:r>
@@ -18432,20 +20272,20 @@
               <a:solidFill>
                 <a:srgbClr val="FFFFFF"/>
               </a:solidFill>
-              <a:latin typeface="Roboto"/>
-              <a:ea typeface="Roboto"/>
-              <a:cs typeface="Roboto"/>
-              <a:sym typeface="Roboto"/>
+              <a:latin typeface="Nunito"/>
+              <a:ea typeface="Nunito"/>
+              <a:cs typeface="Nunito"/>
+              <a:sym typeface="Nunito"/>
             </a:endParaRPr>
           </a:p>
         </p:txBody>
       </p:sp>
       <p:cxnSp>
         <p:nvCxnSpPr>
-          <p:cNvPr id="324" name="Google Shape;324;p16"/>
+          <p:cNvPr id="323" name="Google Shape;323;p16"/>
           <p:cNvCxnSpPr>
-            <a:stCxn id="323" idx="1"/>
-            <a:endCxn id="314" idx="3"/>
+            <a:stCxn id="322" idx="1"/>
+            <a:endCxn id="313" idx="3"/>
           </p:cNvCxnSpPr>
           <p:nvPr/>
         </p:nvCxnSpPr>
@@ -18484,7 +20324,7 @@
   <p:cSld>
     <p:spTree>
       <p:nvGrpSpPr>
-        <p:cNvPr id="328" name="Shape 328"/>
+        <p:cNvPr id="327" name="Shape 327"/>
         <p:cNvGrpSpPr/>
         <p:nvPr/>
       </p:nvGrpSpPr>
@@ -18498,7 +20338,7 @@
       </p:grpSpPr>
       <p:sp>
         <p:nvSpPr>
-          <p:cNvPr id="329" name="Google Shape;329;p17"/>
+          <p:cNvPr id="328" name="Google Shape;328;p17"/>
           <p:cNvSpPr txBox="1"/>
           <p:nvPr>
             <p:ph type="title"/>
@@ -18554,7 +20394,7 @@
       </p:sp>
       <p:pic>
         <p:nvPicPr>
-          <p:cNvPr id="330" name="Google Shape;330;p17"/>
+          <p:cNvPr id="329" name="Google Shape;329;p17"/>
           <p:cNvPicPr preferRelativeResize="0"/>
           <p:nvPr/>
         </p:nvPicPr>
@@ -18582,7 +20422,7 @@
       </p:pic>
       <p:pic>
         <p:nvPicPr>
-          <p:cNvPr id="331" name="Google Shape;331;p17"/>
+          <p:cNvPr id="330" name="Google Shape;330;p17"/>
           <p:cNvPicPr preferRelativeResize="0"/>
           <p:nvPr/>
         </p:nvPicPr>
@@ -18610,7 +20450,7 @@
       </p:pic>
       <p:pic>
         <p:nvPicPr>
-          <p:cNvPr id="332" name="Google Shape;332;p17"/>
+          <p:cNvPr id="331" name="Google Shape;331;p17"/>
           <p:cNvPicPr preferRelativeResize="0"/>
           <p:nvPr/>
         </p:nvPicPr>
@@ -18638,7 +20478,7 @@
       </p:pic>
       <p:sp>
         <p:nvSpPr>
-          <p:cNvPr id="333" name="Google Shape;333;p17"/>
+          <p:cNvPr id="332" name="Google Shape;332;p17"/>
           <p:cNvSpPr txBox="1"/>
           <p:nvPr/>
         </p:nvSpPr>
@@ -18797,7 +20637,7 @@
   <p:cSld>
     <p:spTree>
       <p:nvGrpSpPr>
-        <p:cNvPr id="337" name="Shape 337"/>
+        <p:cNvPr id="336" name="Shape 336"/>
         <p:cNvGrpSpPr/>
         <p:nvPr/>
       </p:nvGrpSpPr>
@@ -18811,7 +20651,7 @@
       </p:grpSpPr>
       <p:sp>
         <p:nvSpPr>
-          <p:cNvPr id="338" name="Google Shape;338;p18"/>
+          <p:cNvPr id="337" name="Google Shape;337;p18"/>
           <p:cNvSpPr txBox="1"/>
           <p:nvPr>
             <p:ph type="title"/>
@@ -18851,7 +20691,7 @@
       </p:sp>
       <p:pic>
         <p:nvPicPr>
-          <p:cNvPr id="339" name="Google Shape;339;p18"/>
+          <p:cNvPr id="338" name="Google Shape;338;p18"/>
           <p:cNvPicPr preferRelativeResize="0"/>
           <p:nvPr/>
         </p:nvPicPr>
@@ -18879,7 +20719,7 @@
       </p:pic>
       <p:sp>
         <p:nvSpPr>
-          <p:cNvPr id="340" name="Google Shape;340;p18"/>
+          <p:cNvPr id="339" name="Google Shape;339;p18"/>
           <p:cNvSpPr txBox="1"/>
           <p:nvPr>
             <p:ph idx="1" type="body"/>
@@ -18905,7 +20745,7 @@
         </p:spPr>
         <p:txBody>
           <a:bodyPr anchorCtr="0" anchor="t" bIns="91425" lIns="91425" spcFirstLastPara="1" rIns="91425" wrap="square" tIns="91425">
-            <a:normAutofit lnSpcReduction="20000"/>
+            <a:normAutofit/>
           </a:bodyPr>
           <a:lstStyle/>
           <a:p>
@@ -18995,49 +20835,6 @@
                 <a:sym typeface="Arial"/>
               </a:rPr>
               <a:t>0.51560</a:t>
-            </a:r>
-            <a:endParaRPr b="1">
-              <a:solidFill>
-                <a:srgbClr val="000000"/>
-              </a:solidFill>
-              <a:highlight>
-                <a:srgbClr val="FFFFFF"/>
-              </a:highlight>
-              <a:latin typeface="Arial"/>
-              <a:ea typeface="Arial"/>
-              <a:cs typeface="Arial"/>
-              <a:sym typeface="Arial"/>
-            </a:endParaRPr>
-          </a:p>
-          <a:p>
-            <a:pPr indent="-311150" lvl="0" marL="457200" rtl="0" algn="l">
-              <a:spcBef>
-                <a:spcPts val="0"/>
-              </a:spcBef>
-              <a:spcAft>
-                <a:spcPts val="0"/>
-              </a:spcAft>
-              <a:buClr>
-                <a:srgbClr val="000000"/>
-              </a:buClr>
-              <a:buSzPts val="1300"/>
-              <a:buFont typeface="Arial"/>
-              <a:buChar char="●"/>
-            </a:pPr>
-            <a:r>
-              <a:rPr lang="en">
-                <a:solidFill>
-                  <a:srgbClr val="000000"/>
-                </a:solidFill>
-                <a:highlight>
-                  <a:srgbClr val="FFFFFF"/>
-                </a:highlight>
-                <a:latin typeface="Arial"/>
-                <a:ea typeface="Arial"/>
-                <a:cs typeface="Arial"/>
-                <a:sym typeface="Arial"/>
-              </a:rPr>
-              <a:t>Strongest linear correlation between daily covid cases and crime of any NYC borough, followed by Brooklyn and Bronx</a:t>
             </a:r>
             <a:endParaRPr>
               <a:solidFill>
@@ -19329,7 +21126,7 @@
   <p:cSld>
     <p:spTree>
       <p:nvGrpSpPr>
-        <p:cNvPr id="344" name="Shape 344"/>
+        <p:cNvPr id="343" name="Shape 343"/>
         <p:cNvGrpSpPr/>
         <p:nvPr/>
       </p:nvGrpSpPr>
@@ -19343,7 +21140,7 @@
       </p:grpSpPr>
       <p:sp>
         <p:nvSpPr>
-          <p:cNvPr id="345" name="Google Shape;345;p19"/>
+          <p:cNvPr id="344" name="Google Shape;344;p19"/>
           <p:cNvSpPr txBox="1"/>
           <p:nvPr>
             <p:ph type="title"/>
@@ -19383,7 +21180,7 @@
       </p:sp>
       <p:sp>
         <p:nvSpPr>
-          <p:cNvPr id="346" name="Google Shape;346;p19"/>
+          <p:cNvPr id="345" name="Google Shape;345;p19"/>
           <p:cNvSpPr txBox="1"/>
           <p:nvPr>
             <p:ph idx="1" type="body"/>
@@ -19495,52 +21292,6 @@
                 <a:cs typeface="Arial"/>
                 <a:sym typeface="Arial"/>
               </a:rPr>
-              <a:t>Manhattan shows a similar; crime initially </a:t>
-            </a:r>
-            <a:r>
-              <a:rPr b="1" lang="en">
-                <a:latin typeface="Arial"/>
-                <a:ea typeface="Arial"/>
-                <a:cs typeface="Arial"/>
-                <a:sym typeface="Arial"/>
-              </a:rPr>
-              <a:t>decreased</a:t>
-            </a:r>
-            <a:r>
-              <a:rPr lang="en">
-                <a:latin typeface="Arial"/>
-                <a:ea typeface="Arial"/>
-                <a:cs typeface="Arial"/>
-                <a:sym typeface="Arial"/>
-              </a:rPr>
-              <a:t> during  pandemic</a:t>
-            </a:r>
-            <a:endParaRPr>
-              <a:latin typeface="Arial"/>
-              <a:ea typeface="Arial"/>
-              <a:cs typeface="Arial"/>
-              <a:sym typeface="Arial"/>
-            </a:endParaRPr>
-          </a:p>
-          <a:p>
-            <a:pPr indent="-311150" lvl="0" marL="457200" rtl="0" algn="l">
-              <a:spcBef>
-                <a:spcPts val="0"/>
-              </a:spcBef>
-              <a:spcAft>
-                <a:spcPts val="0"/>
-              </a:spcAft>
-              <a:buSzPts val="1300"/>
-              <a:buFont typeface="Arial"/>
-              <a:buChar char="●"/>
-            </a:pPr>
-            <a:r>
-              <a:rPr lang="en">
-                <a:latin typeface="Arial"/>
-                <a:ea typeface="Arial"/>
-                <a:cs typeface="Arial"/>
-                <a:sym typeface="Arial"/>
-              </a:rPr>
               <a:t>Crime reports reach </a:t>
             </a:r>
             <a:r>
@@ -19559,7 +21310,7 @@
                 <a:cs typeface="Arial"/>
                 <a:sym typeface="Arial"/>
               </a:rPr>
-              <a:t>as COVID cases hit a maximum per day - possibly explained by NYC strict lockdown measures</a:t>
+              <a:t>as COVID cases hit a maximum per day</a:t>
             </a:r>
             <a:endParaRPr>
               <a:latin typeface="Arial"/>
@@ -19605,7 +21356,7 @@
                 <a:cs typeface="Arial"/>
                 <a:sym typeface="Arial"/>
               </a:rPr>
-              <a:t> (possibly related to the George Floyd protests, which began around May 28 2020)</a:t>
+              <a:t> </a:t>
             </a:r>
             <a:endParaRPr>
               <a:latin typeface="Arial"/>
@@ -19615,25 +21366,17 @@
             </a:endParaRPr>
           </a:p>
           <a:p>
-            <a:pPr indent="-298450" lvl="1" marL="914400" rtl="0" algn="l">
-              <a:spcBef>
-                <a:spcPts val="0"/>
-              </a:spcBef>
-              <a:spcAft>
-                <a:spcPts val="0"/>
-              </a:spcAft>
-              <a:buSzPts val="1100"/>
-              <a:buFont typeface="Arial"/>
-              <a:buChar char="○"/>
+            <a:pPr indent="0" lvl="0" marL="0" rtl="0" algn="l">
+              <a:spcBef>
+                <a:spcPts val="0"/>
+              </a:spcBef>
+              <a:spcAft>
+                <a:spcPts val="0"/>
+              </a:spcAft>
+              <a:buNone/>
             </a:pPr>
             <a:r>
-              <a:rPr lang="en">
-                <a:latin typeface="Arial"/>
-                <a:ea typeface="Arial"/>
-                <a:cs typeface="Arial"/>
-                <a:sym typeface="Arial"/>
-              </a:rPr>
-              <a:t>Crime data set includes complaint reports as well</a:t>
+              <a:t/>
             </a:r>
             <a:endParaRPr>
               <a:latin typeface="Arial"/>
@@ -19646,7 +21389,7 @@
       </p:sp>
       <p:pic>
         <p:nvPicPr>
-          <p:cNvPr id="347" name="Google Shape;347;p19"/>
+          <p:cNvPr id="346" name="Google Shape;346;p19"/>
           <p:cNvPicPr preferRelativeResize="0"/>
           <p:nvPr/>
         </p:nvPicPr>
@@ -19672,6 +21415,58 @@
           </a:ln>
         </p:spPr>
       </p:pic>
+      <p:sp>
+        <p:nvSpPr>
+          <p:cNvPr id="347" name="Google Shape;347;p19"/>
+          <p:cNvSpPr/>
+          <p:nvPr/>
+        </p:nvSpPr>
+        <p:spPr>
+          <a:xfrm rot="-5230073">
+            <a:off x="1316032" y="3698036"/>
+            <a:ext cx="170008" cy="183236"/>
+          </a:xfrm>
+          <a:prstGeom prst="rightArrow">
+            <a:avLst>
+              <a:gd fmla="val 50000" name="adj1"/>
+              <a:gd fmla="val 50000" name="adj2"/>
+            </a:avLst>
+          </a:prstGeom>
+          <a:solidFill>
+            <a:srgbClr val="00FFFF"/>
+          </a:solidFill>
+          <a:ln cap="flat" cmpd="sng" w="9525">
+            <a:solidFill>
+              <a:schemeClr val="dk2"/>
+            </a:solidFill>
+            <a:prstDash val="solid"/>
+            <a:round/>
+            <a:headEnd len="sm" w="sm" type="none"/>
+            <a:tailEnd len="sm" w="sm" type="none"/>
+          </a:ln>
+        </p:spPr>
+        <p:txBody>
+          <a:bodyPr anchorCtr="0" anchor="ctr" bIns="91425" lIns="91425" spcFirstLastPara="1" rIns="91425" wrap="square" tIns="91425">
+            <a:noAutofit/>
+          </a:bodyPr>
+          <a:lstStyle/>
+          <a:p>
+            <a:pPr indent="0" lvl="0" marL="0" rtl="0" algn="l">
+              <a:spcBef>
+                <a:spcPts val="0"/>
+              </a:spcBef>
+              <a:spcAft>
+                <a:spcPts val="0"/>
+              </a:spcAft>
+              <a:buNone/>
+            </a:pPr>
+            <a:r>
+              <a:t/>
+            </a:r>
+            <a:endParaRPr/>
+          </a:p>
+        </p:txBody>
+      </p:sp>
     </p:spTree>
   </p:cSld>
   <p:clrMapOvr>
@@ -19747,8 +21542,8 @@
         </p:nvSpPr>
         <p:spPr>
           <a:xfrm>
-            <a:off x="312725" y="3277325"/>
-            <a:ext cx="8375700" cy="1561500"/>
+            <a:off x="312725" y="3602875"/>
+            <a:ext cx="8375700" cy="1236000"/>
           </a:xfrm>
           <a:prstGeom prst="rect">
             <a:avLst/>
@@ -19894,7 +21689,7 @@
         </p:blipFill>
         <p:spPr>
           <a:xfrm>
-            <a:off x="885325" y="992850"/>
+            <a:off x="739750" y="1223350"/>
             <a:ext cx="3426700" cy="2284475"/>
           </a:xfrm>
           <a:prstGeom prst="rect">
@@ -19922,7 +21717,7 @@
         </p:blipFill>
         <p:spPr>
           <a:xfrm>
-            <a:off x="4907529" y="992852"/>
+            <a:off x="4992429" y="1126277"/>
             <a:ext cx="3426771" cy="2284475"/>
           </a:xfrm>
           <a:prstGeom prst="rect">
